--- a/static/assets/img/landing/images_landing.pptx
+++ b/static/assets/img/landing/images_landing.pptx
@@ -10,6 +10,7 @@
     <p:sldId id="259" r:id="rId4"/>
     <p:sldId id="258" r:id="rId5"/>
     <p:sldId id="260" r:id="rId6"/>
+    <p:sldId id="261" r:id="rId7"/>
   </p:sldIdLst>
   <p:sldSz cx="12192000" cy="6858000"/>
   <p:notesSz cx="6858000" cy="9144000"/>
@@ -108,7 +109,16 @@
       </a:defRPr>
     </a:lvl9pPr>
   </p:defaultTextStyle>
+  <p:extLst>
+    <p:ext uri="{EFAFB233-063F-42B5-8137-9DF3F51BA10A}">
+      <p15:sldGuideLst xmlns:p15="http://schemas.microsoft.com/office/powerpoint/2012/main"/>
+    </p:ext>
+  </p:extLst>
 </p:presentation>
+</file>
+
+<file path=ppt/revisionInfo.xml><?xml version="1.0" encoding="utf-8"?>
+<p1510:revInfo xmlns:a="http://schemas.openxmlformats.org/drawingml/2006/main" xmlns:r="http://schemas.openxmlformats.org/officeDocument/2006/relationships" xmlns:p1510="http://schemas.microsoft.com/office/powerpoint/2015/10/main"/>
 </file>
 
 <file path=ppt/slideLayouts/slideLayout1.xml><?xml version="1.0" encoding="utf-8"?>
@@ -3405,8 +3415,8 @@
         </p:nvGrpSpPr>
         <p:grpSpPr>
           <a:xfrm>
-            <a:off x="0" y="1856506"/>
-            <a:ext cx="12192000" cy="3209544"/>
+            <a:off x="2410691" y="1510146"/>
+            <a:ext cx="8188036" cy="3458922"/>
             <a:chOff x="0" y="1856506"/>
             <a:chExt cx="12192000" cy="3209544"/>
           </a:xfrm>
@@ -3486,7 +3496,7 @@
           <p:spPr>
             <a:xfrm>
               <a:off x="163312" y="1966916"/>
-              <a:ext cx="2135298" cy="1808914"/>
+              <a:ext cx="2758407" cy="1808914"/>
             </a:xfrm>
             <a:prstGeom prst="rect">
               <a:avLst/>
@@ -3527,8 +3537,8 @@
           </p:blipFill>
           <p:spPr>
             <a:xfrm>
-              <a:off x="2394774" y="2772743"/>
-              <a:ext cx="2079087" cy="2050476"/>
+              <a:off x="2921719" y="3438186"/>
+              <a:ext cx="1637758" cy="1615219"/>
             </a:xfrm>
             <a:prstGeom prst="rect">
               <a:avLst/>
@@ -3563,7 +3573,7 @@
           </p:blipFill>
           <p:spPr>
             <a:xfrm>
-              <a:off x="7252558" y="3219107"/>
+              <a:off x="7212969" y="3239004"/>
               <a:ext cx="2346335" cy="1723838"/>
             </a:xfrm>
             <a:prstGeom prst="rect">
@@ -3586,7 +3596,7 @@
           <p:spPr>
             <a:xfrm>
               <a:off x="87748" y="3832726"/>
-              <a:ext cx="2210862" cy="369332"/>
+              <a:ext cx="2194014" cy="599732"/>
             </a:xfrm>
             <a:prstGeom prst="rect">
               <a:avLst/>
@@ -3599,12 +3609,23 @@
             </a:bodyPr>
             <a:lstStyle/>
             <a:p>
+              <a:pPr algn="ctr"/>
               <a:r>
                 <a:rPr lang="en-US" dirty="0">
                   <a:latin typeface="Aharoni" panose="02010803020104030203" pitchFamily="2" charset="-79"/>
                   <a:cs typeface="Aharoni" panose="02010803020104030203" pitchFamily="2" charset="-79"/>
                 </a:rPr>
-                <a:t>Mechanical Design</a:t>
+                <a:t>Mechanical </a:t>
+              </a:r>
+            </a:p>
+            <a:p>
+              <a:pPr algn="ctr"/>
+              <a:r>
+                <a:rPr lang="en-US" dirty="0">
+                  <a:latin typeface="Aharoni" panose="02010803020104030203" pitchFamily="2" charset="-79"/>
+                  <a:cs typeface="Aharoni" panose="02010803020104030203" pitchFamily="2" charset="-79"/>
+                </a:rPr>
+                <a:t>Design</a:t>
               </a:r>
             </a:p>
           </p:txBody>
@@ -3623,8 +3644,8 @@
           </p:nvSpPr>
           <p:spPr>
             <a:xfrm>
-              <a:off x="3093617" y="2403411"/>
-              <a:ext cx="644728" cy="369332"/>
+              <a:off x="3314624" y="3130706"/>
+              <a:ext cx="644727" cy="369332"/>
             </a:xfrm>
             <a:prstGeom prst="rect">
               <a:avLst/>
@@ -3661,7 +3682,7 @@
           </p:nvSpPr>
           <p:spPr>
             <a:xfrm>
-              <a:off x="4859096" y="3711694"/>
+              <a:off x="4328981" y="3296736"/>
               <a:ext cx="1661032" cy="369332"/>
             </a:xfrm>
             <a:prstGeom prst="rect">
@@ -3699,8 +3720,8 @@
           </p:nvSpPr>
           <p:spPr>
             <a:xfrm>
-              <a:off x="9951117" y="4453887"/>
-              <a:ext cx="1888659" cy="369332"/>
+              <a:off x="9953339" y="3926271"/>
+              <a:ext cx="1678450" cy="599732"/>
             </a:xfrm>
             <a:prstGeom prst="rect">
               <a:avLst/>
@@ -3713,12 +3734,23 @@
             </a:bodyPr>
             <a:lstStyle/>
             <a:p>
+              <a:pPr algn="ctr"/>
               <a:r>
                 <a:rPr lang="en-US" dirty="0">
                   <a:latin typeface="Aharoni" panose="02010803020104030203" pitchFamily="2" charset="-79"/>
                   <a:cs typeface="Aharoni" panose="02010803020104030203" pitchFamily="2" charset="-79"/>
                 </a:rPr>
-                <a:t>Thermal Testing</a:t>
+                <a:t>Thermal </a:t>
+              </a:r>
+            </a:p>
+            <a:p>
+              <a:pPr algn="ctr"/>
+              <a:r>
+                <a:rPr lang="en-US" dirty="0">
+                  <a:latin typeface="Aharoni" panose="02010803020104030203" pitchFamily="2" charset="-79"/>
+                  <a:cs typeface="Aharoni" panose="02010803020104030203" pitchFamily="2" charset="-79"/>
+                </a:rPr>
+                <a:t>Testing</a:t>
               </a:r>
             </a:p>
           </p:txBody>
@@ -3737,7 +3769,7 @@
             </p:cNvPicPr>
             <p:nvPr/>
           </p:nvPicPr>
-          <p:blipFill>
+          <p:blipFill rotWithShape="1">
             <a:blip r:embed="rId6">
               <a:extLst>
                 <a:ext uri="{28A0092B-C50C-407E-A947-70E740481C1C}">
@@ -3745,14 +3777,13 @@
                 </a:ext>
               </a:extLst>
             </a:blip>
-            <a:stretch>
-              <a:fillRect/>
-            </a:stretch>
+            <a:srcRect b="19469"/>
+            <a:stretch/>
           </p:blipFill>
           <p:spPr>
             <a:xfrm>
-              <a:off x="9578108" y="2060992"/>
-              <a:ext cx="2447718" cy="2316229"/>
+              <a:off x="9578108" y="2060993"/>
+              <a:ext cx="2447718" cy="1865278"/>
             </a:xfrm>
             <a:prstGeom prst="rect">
               <a:avLst/>
@@ -3773,7 +3804,7 @@
             </p:cNvPicPr>
             <p:nvPr/>
           </p:nvPicPr>
-          <p:blipFill>
+          <p:blipFill rotWithShape="1">
             <a:blip r:embed="rId7">
               <a:extLst>
                 <a:ext uri="{28A0092B-C50C-407E-A947-70E740481C1C}">
@@ -3781,14 +3812,13 @@
                 </a:ext>
               </a:extLst>
             </a:blip>
-            <a:stretch>
-              <a:fillRect/>
-            </a:stretch>
+            <a:srcRect b="26780"/>
+            <a:stretch/>
           </p:blipFill>
           <p:spPr>
             <a:xfrm>
-              <a:off x="4506412" y="1966916"/>
-              <a:ext cx="2499375" cy="1736468"/>
+              <a:off x="4302971" y="2060993"/>
+              <a:ext cx="2499374" cy="1271447"/>
             </a:xfrm>
             <a:prstGeom prst="rect">
               <a:avLst/>
@@ -3809,8 +3839,8 @@
           </p:nvSpPr>
           <p:spPr>
             <a:xfrm>
-              <a:off x="7995231" y="2708858"/>
-              <a:ext cx="593432" cy="369332"/>
+              <a:off x="7626529" y="2849773"/>
+              <a:ext cx="593433" cy="369332"/>
             </a:xfrm>
             <a:prstGeom prst="rect">
               <a:avLst/>
@@ -3878,8 +3908,8 @@
         </p:nvGrpSpPr>
         <p:grpSpPr>
           <a:xfrm>
-            <a:off x="0" y="1856506"/>
-            <a:ext cx="12192000" cy="3209544"/>
+            <a:off x="2046515" y="1567543"/>
+            <a:ext cx="8193024" cy="3456432"/>
             <a:chOff x="0" y="1856506"/>
             <a:chExt cx="12192000" cy="3209544"/>
           </a:xfrm>
@@ -4425,6 +4455,36 @@
 </p:sld>
 </file>
 
+<file path=ppt/slides/slide6.xml><?xml version="1.0" encoding="utf-8"?>
+<p:sld xmlns:a="http://schemas.openxmlformats.org/drawingml/2006/main" xmlns:r="http://schemas.openxmlformats.org/officeDocument/2006/relationships" xmlns:p="http://schemas.openxmlformats.org/presentationml/2006/main">
+  <p:cSld>
+    <p:spTree>
+      <p:nvGrpSpPr>
+        <p:cNvPr id="1" name=""/>
+        <p:cNvGrpSpPr/>
+        <p:nvPr/>
+      </p:nvGrpSpPr>
+      <p:grpSpPr>
+        <a:xfrm>
+          <a:off x="0" y="0"/>
+          <a:ext cx="0" cy="0"/>
+          <a:chOff x="0" y="0"/>
+          <a:chExt cx="0" cy="0"/>
+        </a:xfrm>
+      </p:grpSpPr>
+    </p:spTree>
+    <p:extLst>
+      <p:ext uri="{BB962C8B-B14F-4D97-AF65-F5344CB8AC3E}">
+        <p14:creationId xmlns:p14="http://schemas.microsoft.com/office/powerpoint/2010/main" val="2446655996"/>
+      </p:ext>
+    </p:extLst>
+  </p:cSld>
+  <p:clrMapOvr>
+    <a:masterClrMapping/>
+  </p:clrMapOvr>
+</p:sld>
+</file>
+
 <file path=ppt/theme/theme1.xml><?xml version="1.0" encoding="utf-8"?>
 <a:theme xmlns:a="http://schemas.openxmlformats.org/drawingml/2006/main" name="Office Theme">
   <a:themeElements>

--- a/static/assets/img/landing/images_landing.pptx
+++ b/static/assets/img/landing/images_landing.pptx
@@ -3415,10 +3415,10 @@
         </p:nvGrpSpPr>
         <p:grpSpPr>
           <a:xfrm>
-            <a:off x="2410691" y="1510146"/>
-            <a:ext cx="8188036" cy="3458922"/>
-            <a:chOff x="0" y="1856506"/>
-            <a:chExt cx="12192000" cy="3209544"/>
+            <a:off x="2410691" y="2175163"/>
+            <a:ext cx="8188036" cy="2202872"/>
+            <a:chOff x="0" y="2473578"/>
+            <a:chExt cx="12192000" cy="2044052"/>
           </a:xfrm>
         </p:grpSpPr>
         <p:sp>
@@ -3435,8 +3435,8 @@
           </p:nvSpPr>
           <p:spPr>
             <a:xfrm>
-              <a:off x="0" y="1856506"/>
-              <a:ext cx="12192000" cy="3209544"/>
+              <a:off x="0" y="2473578"/>
+              <a:ext cx="12192000" cy="2044052"/>
             </a:xfrm>
             <a:prstGeom prst="rect">
               <a:avLst/>
@@ -3495,8 +3495,8 @@
           </p:blipFill>
           <p:spPr>
             <a:xfrm>
-              <a:off x="163312" y="1966916"/>
-              <a:ext cx="2758407" cy="1808914"/>
+              <a:off x="515294" y="2617798"/>
+              <a:ext cx="1407174" cy="922800"/>
             </a:xfrm>
             <a:prstGeom prst="rect">
               <a:avLst/>
@@ -3537,8 +3537,8 @@
           </p:blipFill>
           <p:spPr>
             <a:xfrm>
-              <a:off x="2921719" y="3438186"/>
-              <a:ext cx="1637758" cy="1615219"/>
+              <a:off x="2950225" y="2647519"/>
+              <a:ext cx="970716" cy="957358"/>
             </a:xfrm>
             <a:prstGeom prst="rect">
               <a:avLst/>
@@ -3573,8 +3573,8 @@
           </p:blipFill>
           <p:spPr>
             <a:xfrm>
-              <a:off x="7212969" y="3239004"/>
-              <a:ext cx="2346335" cy="1723838"/>
+              <a:off x="7587999" y="2661189"/>
+              <a:ext cx="1359497" cy="998814"/>
             </a:xfrm>
             <a:prstGeom prst="rect">
               <a:avLst/>
@@ -3595,7 +3595,7 @@
           </p:nvSpPr>
           <p:spPr>
             <a:xfrm>
-              <a:off x="87748" y="3832726"/>
+              <a:off x="238239" y="3787467"/>
               <a:ext cx="2194014" cy="599732"/>
             </a:xfrm>
             <a:prstGeom prst="rect">
@@ -3644,7 +3644,7 @@
           </p:nvSpPr>
           <p:spPr>
             <a:xfrm>
-              <a:off x="3314624" y="3130706"/>
+              <a:off x="2790855" y="3954500"/>
               <a:ext cx="644727" cy="369332"/>
             </a:xfrm>
             <a:prstGeom prst="rect">
@@ -3682,7 +3682,7 @@
           </p:nvSpPr>
           <p:spPr>
             <a:xfrm>
-              <a:off x="4328981" y="3296736"/>
+              <a:off x="4600615" y="3902667"/>
               <a:ext cx="1661032" cy="369332"/>
             </a:xfrm>
             <a:prstGeom prst="rect">
@@ -3720,7 +3720,7 @@
           </p:nvSpPr>
           <p:spPr>
             <a:xfrm>
-              <a:off x="9953339" y="3926271"/>
+              <a:off x="9801650" y="3787466"/>
               <a:ext cx="1678450" cy="599732"/>
             </a:xfrm>
             <a:prstGeom prst="rect">
@@ -3782,8 +3782,8 @@
           </p:blipFill>
           <p:spPr>
             <a:xfrm>
-              <a:off x="9578108" y="2060993"/>
-              <a:ext cx="2447718" cy="1865278"/>
+              <a:off x="9987582" y="2661189"/>
+              <a:ext cx="1306589" cy="995683"/>
             </a:xfrm>
             <a:prstGeom prst="rect">
               <a:avLst/>
@@ -3817,8 +3817,8 @@
           </p:blipFill>
           <p:spPr>
             <a:xfrm>
-              <a:off x="4302971" y="2060993"/>
-              <a:ext cx="2499374" cy="1271447"/>
+              <a:off x="4692841" y="2661189"/>
+              <a:ext cx="1855073" cy="943688"/>
             </a:xfrm>
             <a:prstGeom prst="rect">
               <a:avLst/>
@@ -3839,7 +3839,7 @@
           </p:nvSpPr>
           <p:spPr>
             <a:xfrm>
-              <a:off x="7626529" y="2849773"/>
+              <a:off x="7820947" y="3979207"/>
               <a:ext cx="593433" cy="369332"/>
             </a:xfrm>
             <a:prstGeom prst="rect">
@@ -3908,10 +3908,10 @@
         </p:nvGrpSpPr>
         <p:grpSpPr>
           <a:xfrm>
-            <a:off x="2046515" y="1567543"/>
-            <a:ext cx="8193024" cy="3456432"/>
-            <a:chOff x="0" y="1856506"/>
-            <a:chExt cx="12192000" cy="3209544"/>
+            <a:off x="3103419" y="1880260"/>
+            <a:ext cx="4977419" cy="2192976"/>
+            <a:chOff x="1392128" y="1856506"/>
+            <a:chExt cx="7406873" cy="2036335"/>
           </a:xfrm>
         </p:grpSpPr>
         <p:sp>
@@ -3928,8 +3928,8 @@
           </p:nvSpPr>
           <p:spPr>
             <a:xfrm>
-              <a:off x="0" y="1856506"/>
-              <a:ext cx="12192000" cy="3209544"/>
+              <a:off x="1392128" y="1856506"/>
+              <a:ext cx="7406873" cy="2036335"/>
             </a:xfrm>
             <a:prstGeom prst="rect">
               <a:avLst/>
@@ -3983,8 +3983,8 @@
           </p:blipFill>
           <p:spPr>
             <a:xfrm>
-              <a:off x="6535342" y="2288128"/>
-              <a:ext cx="2103173" cy="983941"/>
+              <a:off x="1672241" y="3142436"/>
+              <a:ext cx="1360714" cy="636591"/>
             </a:xfrm>
             <a:prstGeom prst="rect">
               <a:avLst/>
@@ -4013,8 +4013,8 @@
           </p:blipFill>
           <p:spPr>
             <a:xfrm>
-              <a:off x="346549" y="2026924"/>
-              <a:ext cx="2345379" cy="1012338"/>
+              <a:off x="1672243" y="2314970"/>
+              <a:ext cx="1360714" cy="587326"/>
             </a:xfrm>
             <a:prstGeom prst="rect">
               <a:avLst/>
@@ -4043,8 +4043,8 @@
           </p:blipFill>
           <p:spPr>
             <a:xfrm>
-              <a:off x="6079095" y="3703691"/>
-              <a:ext cx="3015669" cy="1130876"/>
+              <a:off x="5397216" y="2434157"/>
+              <a:ext cx="1360714" cy="510268"/>
             </a:xfrm>
             <a:prstGeom prst="rect">
               <a:avLst/>
@@ -4072,8 +4072,8 @@
           </p:blipFill>
           <p:spPr>
             <a:xfrm>
-              <a:off x="2979543" y="3925396"/>
-              <a:ext cx="2811936" cy="669316"/>
+              <a:off x="3545378" y="3249853"/>
+              <a:ext cx="1360714" cy="323887"/>
             </a:xfrm>
             <a:prstGeom prst="rect">
               <a:avLst/>
@@ -4102,8 +4102,8 @@
           </p:blipFill>
           <p:spPr>
             <a:xfrm>
-              <a:off x="9678626" y="2135226"/>
-              <a:ext cx="2044769" cy="1005056"/>
+              <a:off x="6187541" y="2953334"/>
+              <a:ext cx="1360714" cy="668826"/>
             </a:xfrm>
             <a:prstGeom prst="rect">
               <a:avLst/>
@@ -4138,44 +4138,8 @@
           </p:blipFill>
           <p:spPr>
             <a:xfrm>
-              <a:off x="9309443" y="3802857"/>
-              <a:ext cx="2707150" cy="914395"/>
-            </a:xfrm>
-            <a:prstGeom prst="rect">
-              <a:avLst/>
-            </a:prstGeom>
-          </p:spPr>
-        </p:pic>
-        <p:pic>
-          <p:nvPicPr>
-            <p:cNvPr id="23" name="Picture 22">
-              <a:extLst>
-                <a:ext uri="{FF2B5EF4-FFF2-40B4-BE49-F238E27FC236}">
-                  <a16:creationId xmlns:a16="http://schemas.microsoft.com/office/drawing/2014/main" id="{BBB9340E-8F0E-4EC2-AA77-CA24289DF990}"/>
-                </a:ext>
-              </a:extLst>
-            </p:cNvPr>
-            <p:cNvPicPr>
-              <a:picLocks noChangeAspect="1"/>
-            </p:cNvPicPr>
-            <p:nvPr/>
-          </p:nvPicPr>
-          <p:blipFill>
-            <a:blip r:embed="rId8">
-              <a:extLst>
-                <a:ext uri="{28A0092B-C50C-407E-A947-70E740481C1C}">
-                  <a14:useLocalDpi xmlns:a14="http://schemas.microsoft.com/office/drawing/2010/main" val="0"/>
-                </a:ext>
-              </a:extLst>
-            </a:blip>
-            <a:stretch>
-              <a:fillRect/>
-            </a:stretch>
-          </p:blipFill>
-          <p:spPr>
-            <a:xfrm>
-              <a:off x="270760" y="3472660"/>
-              <a:ext cx="2421168" cy="1361907"/>
+              <a:off x="7098108" y="2499543"/>
+              <a:ext cx="1360714" cy="459609"/>
             </a:xfrm>
             <a:prstGeom prst="rect">
               <a:avLst/>
@@ -4197,14 +4161,73 @@
             <p:nvPr/>
           </p:nvPicPr>
           <p:blipFill rotWithShape="1">
-            <a:blip r:embed="rId9"/>
+            <a:blip r:embed="rId8"/>
             <a:srcRect r="46911"/>
             <a:stretch/>
           </p:blipFill>
           <p:spPr>
             <a:xfrm>
-              <a:off x="3440101" y="2039772"/>
-              <a:ext cx="2347068" cy="1518145"/>
+              <a:off x="3545379" y="2168559"/>
+              <a:ext cx="1360714" cy="880146"/>
+            </a:xfrm>
+            <a:prstGeom prst="rect">
+              <a:avLst/>
+            </a:prstGeom>
+          </p:spPr>
+        </p:pic>
+        <p:pic>
+          <p:nvPicPr>
+            <p:cNvPr id="12" name="Picture 11">
+              <a:extLst>
+                <a:ext uri="{FF2B5EF4-FFF2-40B4-BE49-F238E27FC236}">
+                  <a16:creationId xmlns:a16="http://schemas.microsoft.com/office/drawing/2014/main" id="{0E4F70B0-1DF2-41EF-BDDC-9E540327FC77}"/>
+                </a:ext>
+              </a:extLst>
+            </p:cNvPr>
+            <p:cNvPicPr>
+              <a:picLocks noChangeAspect="1"/>
+            </p:cNvPicPr>
+            <p:nvPr/>
+          </p:nvPicPr>
+          <p:blipFill>
+            <a:blip r:embed="rId3"/>
+            <a:stretch>
+              <a:fillRect/>
+            </a:stretch>
+          </p:blipFill>
+          <p:spPr>
+            <a:xfrm>
+              <a:off x="1672241" y="2366008"/>
+              <a:ext cx="1360714" cy="587326"/>
+            </a:xfrm>
+            <a:prstGeom prst="rect">
+              <a:avLst/>
+            </a:prstGeom>
+          </p:spPr>
+        </p:pic>
+        <p:pic>
+          <p:nvPicPr>
+            <p:cNvPr id="13" name="Picture 12">
+              <a:extLst>
+                <a:ext uri="{FF2B5EF4-FFF2-40B4-BE49-F238E27FC236}">
+                  <a16:creationId xmlns:a16="http://schemas.microsoft.com/office/drawing/2014/main" id="{CA2283FC-152E-4E8F-90D0-E0B392811221}"/>
+                </a:ext>
+              </a:extLst>
+            </p:cNvPr>
+            <p:cNvPicPr>
+              <a:picLocks noChangeAspect="1"/>
+            </p:cNvPicPr>
+            <p:nvPr/>
+          </p:nvPicPr>
+          <p:blipFill rotWithShape="1">
+            <a:blip r:embed="rId8"/>
+            <a:srcRect r="46911"/>
+            <a:stretch/>
+          </p:blipFill>
+          <p:spPr>
+            <a:xfrm>
+              <a:off x="3545378" y="2219597"/>
+              <a:ext cx="1360714" cy="880146"/>
             </a:xfrm>
             <a:prstGeom prst="rect">
               <a:avLst/>

--- a/static/assets/img/landing/images_landing.pptx
+++ b/static/assets/img/landing/images_landing.pptx
@@ -3401,6 +3401,42 @@
           <a:chExt cx="0" cy="0"/>
         </a:xfrm>
       </p:grpSpPr>
+      <p:pic>
+        <p:nvPicPr>
+          <p:cNvPr id="4" name="Picture 3">
+            <a:extLst>
+              <a:ext uri="{FF2B5EF4-FFF2-40B4-BE49-F238E27FC236}">
+                <a16:creationId xmlns:a16="http://schemas.microsoft.com/office/drawing/2014/main" id="{FF0F1F17-10DD-4273-928A-F2A9EE168CEB}"/>
+              </a:ext>
+            </a:extLst>
+          </p:cNvPr>
+          <p:cNvPicPr>
+            <a:picLocks noChangeAspect="1"/>
+          </p:cNvPicPr>
+          <p:nvPr/>
+        </p:nvPicPr>
+        <p:blipFill>
+          <a:blip r:embed="rId2">
+            <a:extLst>
+              <a:ext uri="{28A0092B-C50C-407E-A947-70E740481C1C}">
+                <a14:useLocalDpi xmlns:a14="http://schemas.microsoft.com/office/drawing/2010/main" val="0"/>
+              </a:ext>
+            </a:extLst>
+          </a:blip>
+          <a:stretch>
+            <a:fillRect/>
+          </a:stretch>
+        </p:blipFill>
+        <p:spPr>
+          <a:xfrm>
+            <a:off x="2410691" y="2175162"/>
+            <a:ext cx="8188036" cy="2202873"/>
+          </a:xfrm>
+          <a:prstGeom prst="rect">
+            <a:avLst/>
+          </a:prstGeom>
+        </p:spPr>
+      </p:pic>
       <p:grpSp>
         <p:nvGrpSpPr>
           <p:cNvPr id="23" name="Group 22">
@@ -3483,7 +3519,7 @@
             <p:nvPr/>
           </p:nvPicPr>
           <p:blipFill rotWithShape="1">
-            <a:blip r:embed="rId2">
+            <a:blip r:embed="rId3">
               <a:extLst>
                 <a:ext uri="{28A0092B-C50C-407E-A947-70E740481C1C}">
                   <a14:useLocalDpi xmlns:a14="http://schemas.microsoft.com/office/drawing/2010/main" val="0"/>
@@ -3496,7 +3532,7 @@
           <p:spPr>
             <a:xfrm>
               <a:off x="515294" y="2617798"/>
-              <a:ext cx="1407174" cy="922800"/>
+              <a:ext cx="1617294" cy="1060593"/>
             </a:xfrm>
             <a:prstGeom prst="rect">
               <a:avLst/>
@@ -3518,11 +3554,11 @@
             <p:nvPr/>
           </p:nvPicPr>
           <p:blipFill>
-            <a:blip r:embed="rId3">
+            <a:blip r:embed="rId4">
               <a:extLst>
                 <a:ext uri="{BEBA8EAE-BF5A-486C-A8C5-ECC9F3942E4B}">
                   <a14:imgProps xmlns:a14="http://schemas.microsoft.com/office/drawing/2010/main">
-                    <a14:imgLayer r:embed="rId4">
+                    <a14:imgLayer r:embed="rId5">
                       <a14:imgEffect>
                         <a14:brightnessContrast bright="40000" contrast="20000"/>
                       </a14:imgEffect>
@@ -3537,8 +3573,8 @@
           </p:blipFill>
           <p:spPr>
             <a:xfrm>
-              <a:off x="2950225" y="2647519"/>
-              <a:ext cx="970716" cy="957358"/>
+              <a:off x="2950226" y="2647519"/>
+              <a:ext cx="1075393" cy="1060593"/>
             </a:xfrm>
             <a:prstGeom prst="rect">
               <a:avLst/>
@@ -3560,7 +3596,7 @@
             <p:nvPr/>
           </p:nvPicPr>
           <p:blipFill>
-            <a:blip r:embed="rId5">
+            <a:blip r:embed="rId6">
               <a:extLst>
                 <a:ext uri="{28A0092B-C50C-407E-A947-70E740481C1C}">
                   <a14:useLocalDpi xmlns:a14="http://schemas.microsoft.com/office/drawing/2010/main" val="0"/>
@@ -3574,7 +3610,7 @@
           <p:spPr>
             <a:xfrm>
               <a:off x="7587999" y="2661189"/>
-              <a:ext cx="1359497" cy="998814"/>
+              <a:ext cx="1443587" cy="1060593"/>
             </a:xfrm>
             <a:prstGeom prst="rect">
               <a:avLst/>
@@ -3770,7 +3806,7 @@
             <p:nvPr/>
           </p:nvPicPr>
           <p:blipFill rotWithShape="1">
-            <a:blip r:embed="rId6">
+            <a:blip r:embed="rId7">
               <a:extLst>
                 <a:ext uri="{28A0092B-C50C-407E-A947-70E740481C1C}">
                   <a14:useLocalDpi xmlns:a14="http://schemas.microsoft.com/office/drawing/2010/main" val="0"/>
@@ -3783,7 +3819,7 @@
           <p:spPr>
             <a:xfrm>
               <a:off x="9987582" y="2661189"/>
-              <a:ext cx="1306589" cy="995683"/>
+              <a:ext cx="1391768" cy="1060593"/>
             </a:xfrm>
             <a:prstGeom prst="rect">
               <a:avLst/>
@@ -3805,7 +3841,7 @@
             <p:nvPr/>
           </p:nvPicPr>
           <p:blipFill rotWithShape="1">
-            <a:blip r:embed="rId7">
+            <a:blip r:embed="rId8">
               <a:extLst>
                 <a:ext uri="{28A0092B-C50C-407E-A947-70E740481C1C}">
                   <a14:useLocalDpi xmlns:a14="http://schemas.microsoft.com/office/drawing/2010/main" val="0"/>
@@ -3817,8 +3853,8 @@
           </p:blipFill>
           <p:spPr>
             <a:xfrm>
-              <a:off x="4692841" y="2661189"/>
-              <a:ext cx="1855073" cy="943688"/>
+              <a:off x="4692842" y="2661189"/>
+              <a:ext cx="2084882" cy="1060593"/>
             </a:xfrm>
             <a:prstGeom prst="rect">
               <a:avLst/>
@@ -3894,6 +3930,42 @@
           <a:chExt cx="0" cy="0"/>
         </a:xfrm>
       </p:grpSpPr>
+      <p:pic>
+        <p:nvPicPr>
+          <p:cNvPr id="14" name="Picture 13">
+            <a:extLst>
+              <a:ext uri="{FF2B5EF4-FFF2-40B4-BE49-F238E27FC236}">
+                <a16:creationId xmlns:a16="http://schemas.microsoft.com/office/drawing/2014/main" id="{5126A008-0DBD-48B7-902F-B91F815204EB}"/>
+              </a:ext>
+            </a:extLst>
+          </p:cNvPr>
+          <p:cNvPicPr>
+            <a:picLocks noChangeAspect="1"/>
+          </p:cNvPicPr>
+          <p:nvPr/>
+        </p:nvPicPr>
+        <p:blipFill>
+          <a:blip r:embed="rId2">
+            <a:extLst>
+              <a:ext uri="{28A0092B-C50C-407E-A947-70E740481C1C}">
+                <a14:useLocalDpi xmlns:a14="http://schemas.microsoft.com/office/drawing/2010/main" val="0"/>
+              </a:ext>
+            </a:extLst>
+          </a:blip>
+          <a:stretch>
+            <a:fillRect/>
+          </a:stretch>
+        </p:blipFill>
+        <p:spPr>
+          <a:xfrm>
+            <a:off x="3103419" y="1870363"/>
+            <a:ext cx="4977419" cy="2202873"/>
+          </a:xfrm>
+          <a:prstGeom prst="rect">
+            <a:avLst/>
+          </a:prstGeom>
+        </p:spPr>
+      </p:pic>
       <p:grpSp>
         <p:nvGrpSpPr>
           <p:cNvPr id="29" name="Group 28">
@@ -3908,7 +3980,7 @@
         </p:nvGrpSpPr>
         <p:grpSpPr>
           <a:xfrm>
-            <a:off x="3103419" y="1880260"/>
+            <a:off x="3103418" y="1870363"/>
             <a:ext cx="4977419" cy="2192976"/>
             <a:chOff x="1392128" y="1856506"/>
             <a:chExt cx="7406873" cy="2036335"/>
@@ -3976,7 +4048,7 @@
             <p:nvPr/>
           </p:nvPicPr>
           <p:blipFill>
-            <a:blip r:embed="rId2"/>
+            <a:blip r:embed="rId3"/>
             <a:stretch>
               <a:fillRect/>
             </a:stretch>
@@ -4006,7 +4078,7 @@
             <p:nvPr/>
           </p:nvPicPr>
           <p:blipFill>
-            <a:blip r:embed="rId3"/>
+            <a:blip r:embed="rId4"/>
             <a:stretch>
               <a:fillRect/>
             </a:stretch>
@@ -4036,14 +4108,14 @@
             <p:nvPr/>
           </p:nvPicPr>
           <p:blipFill>
-            <a:blip r:embed="rId4"/>
+            <a:blip r:embed="rId5"/>
             <a:stretch>
               <a:fillRect/>
             </a:stretch>
           </p:blipFill>
           <p:spPr>
             <a:xfrm>
-              <a:off x="5397216" y="2434157"/>
+              <a:off x="5186204" y="2366008"/>
               <a:ext cx="1360714" cy="510268"/>
             </a:xfrm>
             <a:prstGeom prst="rect">
@@ -4066,14 +4138,14 @@
             <p:nvPr/>
           </p:nvPicPr>
           <p:blipFill rotWithShape="1">
-            <a:blip r:embed="rId5"/>
+            <a:blip r:embed="rId6"/>
             <a:srcRect l="48579" t="14706" r="1563" b="25723"/>
             <a:stretch/>
           </p:blipFill>
           <p:spPr>
             <a:xfrm>
               <a:off x="3545378" y="3249853"/>
-              <a:ext cx="1360714" cy="323887"/>
+              <a:ext cx="1911595" cy="455011"/>
             </a:xfrm>
             <a:prstGeom prst="rect">
               <a:avLst/>
@@ -4095,14 +4167,14 @@
             <p:nvPr/>
           </p:nvPicPr>
           <p:blipFill>
-            <a:blip r:embed="rId6"/>
+            <a:blip r:embed="rId7"/>
             <a:stretch>
               <a:fillRect/>
             </a:stretch>
           </p:blipFill>
           <p:spPr>
             <a:xfrm>
-              <a:off x="6187541" y="2953334"/>
+              <a:off x="6203501" y="3036038"/>
               <a:ext cx="1360714" cy="668826"/>
             </a:xfrm>
             <a:prstGeom prst="rect">
@@ -4125,7 +4197,7 @@
             <p:nvPr/>
           </p:nvPicPr>
           <p:blipFill>
-            <a:blip r:embed="rId7">
+            <a:blip r:embed="rId8">
               <a:extLst>
                 <a:ext uri="{28A0092B-C50C-407E-A947-70E740481C1C}">
                   <a14:useLocalDpi xmlns:a14="http://schemas.microsoft.com/office/drawing/2010/main" val="0"/>
@@ -4138,7 +4210,7 @@
           </p:blipFill>
           <p:spPr>
             <a:xfrm>
-              <a:off x="7098108" y="2499543"/>
+              <a:off x="7059340" y="2391336"/>
               <a:ext cx="1360714" cy="459609"/>
             </a:xfrm>
             <a:prstGeom prst="rect">
@@ -4161,7 +4233,7 @@
             <p:nvPr/>
           </p:nvPicPr>
           <p:blipFill rotWithShape="1">
-            <a:blip r:embed="rId8"/>
+            <a:blip r:embed="rId9"/>
             <a:srcRect r="46911"/>
             <a:stretch/>
           </p:blipFill>
@@ -4190,7 +4262,7 @@
             <p:nvPr/>
           </p:nvPicPr>
           <p:blipFill>
-            <a:blip r:embed="rId3"/>
+            <a:blip r:embed="rId4"/>
             <a:stretch>
               <a:fillRect/>
             </a:stretch>
@@ -4220,7 +4292,7 @@
             <p:nvPr/>
           </p:nvPicPr>
           <p:blipFill rotWithShape="1">
-            <a:blip r:embed="rId8"/>
+            <a:blip r:embed="rId9"/>
             <a:srcRect r="46911"/>
             <a:stretch/>
           </p:blipFill>

--- a/static/assets/img/landing/images_landing.pptx
+++ b/static/assets/img/landing/images_landing.pptx
@@ -3401,48 +3401,12 @@
           <a:chExt cx="0" cy="0"/>
         </a:xfrm>
       </p:grpSpPr>
-      <p:pic>
-        <p:nvPicPr>
-          <p:cNvPr id="4" name="Picture 3">
-            <a:extLst>
-              <a:ext uri="{FF2B5EF4-FFF2-40B4-BE49-F238E27FC236}">
-                <a16:creationId xmlns:a16="http://schemas.microsoft.com/office/drawing/2014/main" id="{FF0F1F17-10DD-4273-928A-F2A9EE168CEB}"/>
-              </a:ext>
-            </a:extLst>
-          </p:cNvPr>
-          <p:cNvPicPr>
-            <a:picLocks noChangeAspect="1"/>
-          </p:cNvPicPr>
-          <p:nvPr/>
-        </p:nvPicPr>
-        <p:blipFill>
-          <a:blip r:embed="rId2">
-            <a:extLst>
-              <a:ext uri="{28A0092B-C50C-407E-A947-70E740481C1C}">
-                <a14:useLocalDpi xmlns:a14="http://schemas.microsoft.com/office/drawing/2010/main" val="0"/>
-              </a:ext>
-            </a:extLst>
-          </a:blip>
-          <a:stretch>
-            <a:fillRect/>
-          </a:stretch>
-        </p:blipFill>
-        <p:spPr>
-          <a:xfrm>
-            <a:off x="2410691" y="2175162"/>
-            <a:ext cx="8188036" cy="2202873"/>
-          </a:xfrm>
-          <a:prstGeom prst="rect">
-            <a:avLst/>
-          </a:prstGeom>
-        </p:spPr>
-      </p:pic>
       <p:grpSp>
         <p:nvGrpSpPr>
-          <p:cNvPr id="23" name="Group 22">
-            <a:extLst>
-              <a:ext uri="{FF2B5EF4-FFF2-40B4-BE49-F238E27FC236}">
-                <a16:creationId xmlns:a16="http://schemas.microsoft.com/office/drawing/2014/main" id="{95693593-8F4A-4F11-8F9A-0FE680E22A4C}"/>
+          <p:cNvPr id="3" name="Group 2">
+            <a:extLst>
+              <a:ext uri="{FF2B5EF4-FFF2-40B4-BE49-F238E27FC236}">
+                <a16:creationId xmlns:a16="http://schemas.microsoft.com/office/drawing/2014/main" id="{40DF3BD6-68CF-4CF3-8B2C-35F12D9EA820}"/>
               </a:ext>
             </a:extLst>
           </p:cNvPr>
@@ -3451,100 +3415,18 @@
         </p:nvGrpSpPr>
         <p:grpSpPr>
           <a:xfrm>
-            <a:off x="2410691" y="2175163"/>
-            <a:ext cx="8188036" cy="2202872"/>
-            <a:chOff x="0" y="2473578"/>
-            <a:chExt cx="12192000" cy="2044052"/>
+            <a:off x="2410691" y="2175162"/>
+            <a:ext cx="8188036" cy="2202873"/>
+            <a:chOff x="2410691" y="2175162"/>
+            <a:chExt cx="8188036" cy="2202873"/>
           </a:xfrm>
         </p:grpSpPr>
-        <p:sp>
-          <p:nvSpPr>
-            <p:cNvPr id="2" name="Rectangle 1">
+        <p:pic>
+          <p:nvPicPr>
+            <p:cNvPr id="4" name="Picture 3">
               <a:extLst>
                 <a:ext uri="{FF2B5EF4-FFF2-40B4-BE49-F238E27FC236}">
-                  <a16:creationId xmlns:a16="http://schemas.microsoft.com/office/drawing/2014/main" id="{9AF3FF13-6BB2-4AC9-84CD-42F6DECE1132}"/>
-                </a:ext>
-              </a:extLst>
-            </p:cNvPr>
-            <p:cNvSpPr/>
-            <p:nvPr/>
-          </p:nvSpPr>
-          <p:spPr>
-            <a:xfrm>
-              <a:off x="0" y="2473578"/>
-              <a:ext cx="12192000" cy="2044052"/>
-            </a:xfrm>
-            <a:prstGeom prst="rect">
-              <a:avLst/>
-            </a:prstGeom>
-            <a:noFill/>
-          </p:spPr>
-          <p:style>
-            <a:lnRef idx="2">
-              <a:schemeClr val="accent1">
-                <a:shade val="50000"/>
-              </a:schemeClr>
-            </a:lnRef>
-            <a:fillRef idx="1">
-              <a:schemeClr val="accent1"/>
-            </a:fillRef>
-            <a:effectRef idx="0">
-              <a:schemeClr val="accent1"/>
-            </a:effectRef>
-            <a:fontRef idx="minor">
-              <a:schemeClr val="lt1"/>
-            </a:fontRef>
-          </p:style>
-          <p:txBody>
-            <a:bodyPr rtlCol="0" anchor="ctr"/>
-            <a:lstStyle/>
-            <a:p>
-              <a:pPr algn="ctr"/>
-              <a:endParaRPr lang="en-US"/>
-            </a:p>
-          </p:txBody>
-        </p:sp>
-        <p:pic>
-          <p:nvPicPr>
-            <p:cNvPr id="7" name="Picture 6">
-              <a:extLst>
-                <a:ext uri="{FF2B5EF4-FFF2-40B4-BE49-F238E27FC236}">
-                  <a16:creationId xmlns:a16="http://schemas.microsoft.com/office/drawing/2014/main" id="{53D992FB-00E7-4D66-95D8-AC10ACF5D7AA}"/>
-                </a:ext>
-              </a:extLst>
-            </p:cNvPr>
-            <p:cNvPicPr>
-              <a:picLocks noChangeAspect="1"/>
-            </p:cNvPicPr>
-            <p:nvPr/>
-          </p:nvPicPr>
-          <p:blipFill rotWithShape="1">
-            <a:blip r:embed="rId3">
-              <a:extLst>
-                <a:ext uri="{28A0092B-C50C-407E-A947-70E740481C1C}">
-                  <a14:useLocalDpi xmlns:a14="http://schemas.microsoft.com/office/drawing/2010/main" val="0"/>
-                </a:ext>
-              </a:extLst>
-            </a:blip>
-            <a:srcRect b="15552"/>
-            <a:stretch/>
-          </p:blipFill>
-          <p:spPr>
-            <a:xfrm>
-              <a:off x="515294" y="2617798"/>
-              <a:ext cx="1617294" cy="1060593"/>
-            </a:xfrm>
-            <a:prstGeom prst="rect">
-              <a:avLst/>
-            </a:prstGeom>
-          </p:spPr>
-        </p:pic>
-        <p:pic>
-          <p:nvPicPr>
-            <p:cNvPr id="9" name="Picture 8">
-              <a:extLst>
-                <a:ext uri="{FF2B5EF4-FFF2-40B4-BE49-F238E27FC236}">
-                  <a16:creationId xmlns:a16="http://schemas.microsoft.com/office/drawing/2014/main" id="{780BB6A4-C528-42A8-8FCB-414F14888612}"/>
+                  <a16:creationId xmlns:a16="http://schemas.microsoft.com/office/drawing/2014/main" id="{FF0F1F17-10DD-4273-928A-F2A9EE168CEB}"/>
                 </a:ext>
               </a:extLst>
             </p:cNvPr>
@@ -3554,49 +3436,7 @@
             <p:nvPr/>
           </p:nvPicPr>
           <p:blipFill>
-            <a:blip r:embed="rId4">
-              <a:extLst>
-                <a:ext uri="{BEBA8EAE-BF5A-486C-A8C5-ECC9F3942E4B}">
-                  <a14:imgProps xmlns:a14="http://schemas.microsoft.com/office/drawing/2010/main">
-                    <a14:imgLayer r:embed="rId5">
-                      <a14:imgEffect>
-                        <a14:brightnessContrast bright="40000" contrast="20000"/>
-                      </a14:imgEffect>
-                    </a14:imgLayer>
-                  </a14:imgProps>
-                </a:ext>
-              </a:extLst>
-            </a:blip>
-            <a:stretch>
-              <a:fillRect/>
-            </a:stretch>
-          </p:blipFill>
-          <p:spPr>
-            <a:xfrm>
-              <a:off x="2950226" y="2647519"/>
-              <a:ext cx="1075393" cy="1060593"/>
-            </a:xfrm>
-            <a:prstGeom prst="rect">
-              <a:avLst/>
-            </a:prstGeom>
-          </p:spPr>
-        </p:pic>
-        <p:pic>
-          <p:nvPicPr>
-            <p:cNvPr id="13" name="Picture 12">
-              <a:extLst>
-                <a:ext uri="{FF2B5EF4-FFF2-40B4-BE49-F238E27FC236}">
-                  <a16:creationId xmlns:a16="http://schemas.microsoft.com/office/drawing/2014/main" id="{69E8355A-97FE-4FFB-AF8A-4B0190F75C21}"/>
-                </a:ext>
-              </a:extLst>
-            </p:cNvPr>
-            <p:cNvPicPr>
-              <a:picLocks noChangeAspect="1"/>
-            </p:cNvPicPr>
-            <p:nvPr/>
-          </p:nvPicPr>
-          <p:blipFill>
-            <a:blip r:embed="rId6">
+            <a:blip r:embed="rId2">
               <a:extLst>
                 <a:ext uri="{28A0092B-C50C-407E-A947-70E740481C1C}">
                   <a14:useLocalDpi xmlns:a14="http://schemas.microsoft.com/office/drawing/2010/main" val="0"/>
@@ -3609,296 +3449,477 @@
           </p:blipFill>
           <p:spPr>
             <a:xfrm>
-              <a:off x="7587999" y="2661189"/>
-              <a:ext cx="1443587" cy="1060593"/>
+              <a:off x="2410691" y="2175162"/>
+              <a:ext cx="8188036" cy="2202873"/>
             </a:xfrm>
             <a:prstGeom prst="rect">
               <a:avLst/>
             </a:prstGeom>
           </p:spPr>
         </p:pic>
-        <p:sp>
-          <p:nvSpPr>
-            <p:cNvPr id="14" name="TextBox 13">
+        <p:grpSp>
+          <p:nvGrpSpPr>
+            <p:cNvPr id="23" name="Group 22">
               <a:extLst>
                 <a:ext uri="{FF2B5EF4-FFF2-40B4-BE49-F238E27FC236}">
-                  <a16:creationId xmlns:a16="http://schemas.microsoft.com/office/drawing/2014/main" id="{AE221511-35D9-4CB2-A15B-474590E235E9}"/>
+                  <a16:creationId xmlns:a16="http://schemas.microsoft.com/office/drawing/2014/main" id="{95693593-8F4A-4F11-8F9A-0FE680E22A4C}"/>
                 </a:ext>
               </a:extLst>
             </p:cNvPr>
-            <p:cNvSpPr txBox="1"/>
+            <p:cNvGrpSpPr/>
             <p:nvPr/>
-          </p:nvSpPr>
-          <p:spPr>
+          </p:nvGrpSpPr>
+          <p:grpSpPr>
             <a:xfrm>
-              <a:off x="238239" y="3787467"/>
-              <a:ext cx="2194014" cy="599732"/>
+              <a:off x="2410691" y="2175163"/>
+              <a:ext cx="8188036" cy="2202872"/>
+              <a:chOff x="0" y="2473578"/>
+              <a:chExt cx="12192000" cy="2044052"/>
             </a:xfrm>
-            <a:prstGeom prst="rect">
-              <a:avLst/>
-            </a:prstGeom>
-            <a:noFill/>
-          </p:spPr>
-          <p:txBody>
-            <a:bodyPr wrap="none" rtlCol="0">
-              <a:spAutoFit/>
-            </a:bodyPr>
-            <a:lstStyle/>
-            <a:p>
-              <a:pPr algn="ctr"/>
-              <a:r>
-                <a:rPr lang="en-US" dirty="0">
-                  <a:latin typeface="Aharoni" panose="02010803020104030203" pitchFamily="2" charset="-79"/>
-                  <a:cs typeface="Aharoni" panose="02010803020104030203" pitchFamily="2" charset="-79"/>
-                </a:rPr>
-                <a:t>Mechanical </a:t>
-              </a:r>
-            </a:p>
-            <a:p>
-              <a:pPr algn="ctr"/>
-              <a:r>
-                <a:rPr lang="en-US" dirty="0">
-                  <a:latin typeface="Aharoni" panose="02010803020104030203" pitchFamily="2" charset="-79"/>
-                  <a:cs typeface="Aharoni" panose="02010803020104030203" pitchFamily="2" charset="-79"/>
-                </a:rPr>
-                <a:t>Design</a:t>
-              </a:r>
-            </a:p>
-          </p:txBody>
-        </p:sp>
-        <p:sp>
-          <p:nvSpPr>
-            <p:cNvPr id="15" name="TextBox 14">
-              <a:extLst>
-                <a:ext uri="{FF2B5EF4-FFF2-40B4-BE49-F238E27FC236}">
-                  <a16:creationId xmlns:a16="http://schemas.microsoft.com/office/drawing/2014/main" id="{2AEA79A1-E281-47F4-BEF2-944A9BE182F7}"/>
-                </a:ext>
-              </a:extLst>
-            </p:cNvPr>
-            <p:cNvSpPr txBox="1"/>
-            <p:nvPr/>
-          </p:nvSpPr>
-          <p:spPr>
-            <a:xfrm>
-              <a:off x="2790855" y="3954500"/>
-              <a:ext cx="644727" cy="369332"/>
-            </a:xfrm>
-            <a:prstGeom prst="rect">
-              <a:avLst/>
-            </a:prstGeom>
-            <a:noFill/>
-          </p:spPr>
-          <p:txBody>
-            <a:bodyPr wrap="none" rtlCol="0">
-              <a:spAutoFit/>
-            </a:bodyPr>
-            <a:lstStyle/>
-            <a:p>
-              <a:r>
-                <a:rPr lang="en-US" dirty="0">
-                  <a:latin typeface="Aharoni" panose="02010803020104030203" pitchFamily="2" charset="-79"/>
-                  <a:cs typeface="Aharoni" panose="02010803020104030203" pitchFamily="2" charset="-79"/>
-                </a:rPr>
-                <a:t>CAD</a:t>
-              </a:r>
-            </a:p>
-          </p:txBody>
-        </p:sp>
-        <p:sp>
-          <p:nvSpPr>
-            <p:cNvPr id="16" name="TextBox 15">
-              <a:extLst>
-                <a:ext uri="{FF2B5EF4-FFF2-40B4-BE49-F238E27FC236}">
-                  <a16:creationId xmlns:a16="http://schemas.microsoft.com/office/drawing/2014/main" id="{474E22EA-C35D-4A8B-9EE3-2945CA97394D}"/>
-                </a:ext>
-              </a:extLst>
-            </p:cNvPr>
-            <p:cNvSpPr txBox="1"/>
-            <p:nvPr/>
-          </p:nvSpPr>
-          <p:spPr>
-            <a:xfrm>
-              <a:off x="4600615" y="3902667"/>
-              <a:ext cx="1661032" cy="369332"/>
-            </a:xfrm>
-            <a:prstGeom prst="rect">
-              <a:avLst/>
-            </a:prstGeom>
-            <a:noFill/>
-          </p:spPr>
-          <p:txBody>
-            <a:bodyPr wrap="none" rtlCol="0">
-              <a:spAutoFit/>
-            </a:bodyPr>
-            <a:lstStyle/>
-            <a:p>
-              <a:r>
-                <a:rPr lang="en-US" dirty="0">
-                  <a:latin typeface="Aharoni" panose="02010803020104030203" pitchFamily="2" charset="-79"/>
-                  <a:cs typeface="Aharoni" panose="02010803020104030203" pitchFamily="2" charset="-79"/>
-                </a:rPr>
-                <a:t>Heat Transfer</a:t>
-              </a:r>
-            </a:p>
-          </p:txBody>
-        </p:sp>
-        <p:sp>
-          <p:nvSpPr>
-            <p:cNvPr id="17" name="TextBox 16">
-              <a:extLst>
-                <a:ext uri="{FF2B5EF4-FFF2-40B4-BE49-F238E27FC236}">
-                  <a16:creationId xmlns:a16="http://schemas.microsoft.com/office/drawing/2014/main" id="{734479A0-216B-4CC5-B594-A7BBB1F69C42}"/>
-                </a:ext>
-              </a:extLst>
-            </p:cNvPr>
-            <p:cNvSpPr txBox="1"/>
-            <p:nvPr/>
-          </p:nvSpPr>
-          <p:spPr>
-            <a:xfrm>
-              <a:off x="9801650" y="3787466"/>
-              <a:ext cx="1678450" cy="599732"/>
-            </a:xfrm>
-            <a:prstGeom prst="rect">
-              <a:avLst/>
-            </a:prstGeom>
-            <a:noFill/>
-          </p:spPr>
-          <p:txBody>
-            <a:bodyPr wrap="none" rtlCol="0">
-              <a:spAutoFit/>
-            </a:bodyPr>
-            <a:lstStyle/>
-            <a:p>
-              <a:pPr algn="ctr"/>
-              <a:r>
-                <a:rPr lang="en-US" dirty="0">
-                  <a:latin typeface="Aharoni" panose="02010803020104030203" pitchFamily="2" charset="-79"/>
-                  <a:cs typeface="Aharoni" panose="02010803020104030203" pitchFamily="2" charset="-79"/>
-                </a:rPr>
-                <a:t>Thermal </a:t>
-              </a:r>
-            </a:p>
-            <a:p>
-              <a:pPr algn="ctr"/>
-              <a:r>
-                <a:rPr lang="en-US" dirty="0">
-                  <a:latin typeface="Aharoni" panose="02010803020104030203" pitchFamily="2" charset="-79"/>
-                  <a:cs typeface="Aharoni" panose="02010803020104030203" pitchFamily="2" charset="-79"/>
-                </a:rPr>
-                <a:t>Testing</a:t>
-              </a:r>
-            </a:p>
-          </p:txBody>
-        </p:sp>
-        <p:pic>
-          <p:nvPicPr>
-            <p:cNvPr id="19" name="Picture 18">
-              <a:extLst>
-                <a:ext uri="{FF2B5EF4-FFF2-40B4-BE49-F238E27FC236}">
-                  <a16:creationId xmlns:a16="http://schemas.microsoft.com/office/drawing/2014/main" id="{167BC735-BDEA-4ABE-B8C7-A04D0608C301}"/>
-                </a:ext>
-              </a:extLst>
-            </p:cNvPr>
-            <p:cNvPicPr>
-              <a:picLocks noChangeAspect="1"/>
-            </p:cNvPicPr>
-            <p:nvPr/>
-          </p:nvPicPr>
-          <p:blipFill rotWithShape="1">
-            <a:blip r:embed="rId7">
-              <a:extLst>
-                <a:ext uri="{28A0092B-C50C-407E-A947-70E740481C1C}">
-                  <a14:useLocalDpi xmlns:a14="http://schemas.microsoft.com/office/drawing/2010/main" val="0"/>
-                </a:ext>
-              </a:extLst>
-            </a:blip>
-            <a:srcRect b="19469"/>
-            <a:stretch/>
-          </p:blipFill>
-          <p:spPr>
-            <a:xfrm>
-              <a:off x="9987582" y="2661189"/>
-              <a:ext cx="1391768" cy="1060593"/>
-            </a:xfrm>
-            <a:prstGeom prst="rect">
-              <a:avLst/>
-            </a:prstGeom>
-          </p:spPr>
-        </p:pic>
-        <p:pic>
-          <p:nvPicPr>
-            <p:cNvPr id="21" name="Picture 20">
-              <a:extLst>
-                <a:ext uri="{FF2B5EF4-FFF2-40B4-BE49-F238E27FC236}">
-                  <a16:creationId xmlns:a16="http://schemas.microsoft.com/office/drawing/2014/main" id="{58A396F3-BEF1-4089-90AC-3946B0AFF828}"/>
-                </a:ext>
-              </a:extLst>
-            </p:cNvPr>
-            <p:cNvPicPr>
-              <a:picLocks noChangeAspect="1"/>
-            </p:cNvPicPr>
-            <p:nvPr/>
-          </p:nvPicPr>
-          <p:blipFill rotWithShape="1">
-            <a:blip r:embed="rId8">
-              <a:extLst>
-                <a:ext uri="{28A0092B-C50C-407E-A947-70E740481C1C}">
-                  <a14:useLocalDpi xmlns:a14="http://schemas.microsoft.com/office/drawing/2010/main" val="0"/>
-                </a:ext>
-              </a:extLst>
-            </a:blip>
-            <a:srcRect b="26780"/>
-            <a:stretch/>
-          </p:blipFill>
-          <p:spPr>
-            <a:xfrm>
-              <a:off x="4692842" y="2661189"/>
-              <a:ext cx="2084882" cy="1060593"/>
-            </a:xfrm>
-            <a:prstGeom prst="rect">
-              <a:avLst/>
-            </a:prstGeom>
-          </p:spPr>
-        </p:pic>
-        <p:sp>
-          <p:nvSpPr>
-            <p:cNvPr id="22" name="TextBox 21">
-              <a:extLst>
-                <a:ext uri="{FF2B5EF4-FFF2-40B4-BE49-F238E27FC236}">
-                  <a16:creationId xmlns:a16="http://schemas.microsoft.com/office/drawing/2014/main" id="{DF11DEF0-38A0-4723-BDB0-32EB95F62C78}"/>
-                </a:ext>
-              </a:extLst>
-            </p:cNvPr>
-            <p:cNvSpPr txBox="1"/>
-            <p:nvPr/>
-          </p:nvSpPr>
-          <p:spPr>
-            <a:xfrm>
-              <a:off x="7820947" y="3979207"/>
-              <a:ext cx="593433" cy="369332"/>
-            </a:xfrm>
-            <a:prstGeom prst="rect">
-              <a:avLst/>
-            </a:prstGeom>
-            <a:noFill/>
-          </p:spPr>
-          <p:txBody>
-            <a:bodyPr wrap="none" rtlCol="0">
-              <a:spAutoFit/>
-            </a:bodyPr>
-            <a:lstStyle/>
-            <a:p>
-              <a:r>
-                <a:rPr lang="en-US" dirty="0">
-                  <a:latin typeface="Aharoni" panose="02010803020104030203" pitchFamily="2" charset="-79"/>
-                  <a:cs typeface="Aharoni" panose="02010803020104030203" pitchFamily="2" charset="-79"/>
-                </a:rPr>
-                <a:t>CFD</a:t>
-              </a:r>
-            </a:p>
-          </p:txBody>
-        </p:sp>
+          </p:grpSpPr>
+          <p:sp>
+            <p:nvSpPr>
+              <p:cNvPr id="2" name="Rectangle 1">
+                <a:extLst>
+                  <a:ext uri="{FF2B5EF4-FFF2-40B4-BE49-F238E27FC236}">
+                    <a16:creationId xmlns:a16="http://schemas.microsoft.com/office/drawing/2014/main" id="{9AF3FF13-6BB2-4AC9-84CD-42F6DECE1132}"/>
+                  </a:ext>
+                </a:extLst>
+              </p:cNvPr>
+              <p:cNvSpPr/>
+              <p:nvPr/>
+            </p:nvSpPr>
+            <p:spPr>
+              <a:xfrm>
+                <a:off x="0" y="2473578"/>
+                <a:ext cx="12192000" cy="2044052"/>
+              </a:xfrm>
+              <a:prstGeom prst="rect">
+                <a:avLst/>
+              </a:prstGeom>
+              <a:noFill/>
+            </p:spPr>
+            <p:style>
+              <a:lnRef idx="2">
+                <a:schemeClr val="accent1">
+                  <a:shade val="50000"/>
+                </a:schemeClr>
+              </a:lnRef>
+              <a:fillRef idx="1">
+                <a:schemeClr val="accent1"/>
+              </a:fillRef>
+              <a:effectRef idx="0">
+                <a:schemeClr val="accent1"/>
+              </a:effectRef>
+              <a:fontRef idx="minor">
+                <a:schemeClr val="lt1"/>
+              </a:fontRef>
+            </p:style>
+            <p:txBody>
+              <a:bodyPr rtlCol="0" anchor="ctr"/>
+              <a:lstStyle/>
+              <a:p>
+                <a:pPr algn="ctr"/>
+                <a:endParaRPr lang="en-US"/>
+              </a:p>
+            </p:txBody>
+          </p:sp>
+          <p:pic>
+            <p:nvPicPr>
+              <p:cNvPr id="7" name="Picture 6">
+                <a:extLst>
+                  <a:ext uri="{FF2B5EF4-FFF2-40B4-BE49-F238E27FC236}">
+                    <a16:creationId xmlns:a16="http://schemas.microsoft.com/office/drawing/2014/main" id="{53D992FB-00E7-4D66-95D8-AC10ACF5D7AA}"/>
+                  </a:ext>
+                </a:extLst>
+              </p:cNvPr>
+              <p:cNvPicPr>
+                <a:picLocks noChangeAspect="1"/>
+              </p:cNvPicPr>
+              <p:nvPr/>
+            </p:nvPicPr>
+            <p:blipFill rotWithShape="1">
+              <a:blip r:embed="rId3">
+                <a:extLst>
+                  <a:ext uri="{28A0092B-C50C-407E-A947-70E740481C1C}">
+                    <a14:useLocalDpi xmlns:a14="http://schemas.microsoft.com/office/drawing/2010/main" val="0"/>
+                  </a:ext>
+                </a:extLst>
+              </a:blip>
+              <a:srcRect b="15552"/>
+              <a:stretch/>
+            </p:blipFill>
+            <p:spPr>
+              <a:xfrm>
+                <a:off x="515294" y="2617798"/>
+                <a:ext cx="1617294" cy="1060593"/>
+              </a:xfrm>
+              <a:prstGeom prst="rect">
+                <a:avLst/>
+              </a:prstGeom>
+            </p:spPr>
+          </p:pic>
+          <p:pic>
+            <p:nvPicPr>
+              <p:cNvPr id="9" name="Picture 8">
+                <a:extLst>
+                  <a:ext uri="{FF2B5EF4-FFF2-40B4-BE49-F238E27FC236}">
+                    <a16:creationId xmlns:a16="http://schemas.microsoft.com/office/drawing/2014/main" id="{780BB6A4-C528-42A8-8FCB-414F14888612}"/>
+                  </a:ext>
+                </a:extLst>
+              </p:cNvPr>
+              <p:cNvPicPr>
+                <a:picLocks noChangeAspect="1"/>
+              </p:cNvPicPr>
+              <p:nvPr/>
+            </p:nvPicPr>
+            <p:blipFill>
+              <a:blip r:embed="rId4">
+                <a:extLst>
+                  <a:ext uri="{BEBA8EAE-BF5A-486C-A8C5-ECC9F3942E4B}">
+                    <a14:imgProps xmlns:a14="http://schemas.microsoft.com/office/drawing/2010/main">
+                      <a14:imgLayer r:embed="rId5">
+                        <a14:imgEffect>
+                          <a14:brightnessContrast bright="40000" contrast="20000"/>
+                        </a14:imgEffect>
+                      </a14:imgLayer>
+                    </a14:imgProps>
+                  </a:ext>
+                </a:extLst>
+              </a:blip>
+              <a:stretch>
+                <a:fillRect/>
+              </a:stretch>
+            </p:blipFill>
+            <p:spPr>
+              <a:xfrm>
+                <a:off x="2950226" y="2647519"/>
+                <a:ext cx="1075393" cy="1060593"/>
+              </a:xfrm>
+              <a:prstGeom prst="rect">
+                <a:avLst/>
+              </a:prstGeom>
+            </p:spPr>
+          </p:pic>
+          <p:pic>
+            <p:nvPicPr>
+              <p:cNvPr id="13" name="Picture 12">
+                <a:extLst>
+                  <a:ext uri="{FF2B5EF4-FFF2-40B4-BE49-F238E27FC236}">
+                    <a16:creationId xmlns:a16="http://schemas.microsoft.com/office/drawing/2014/main" id="{69E8355A-97FE-4FFB-AF8A-4B0190F75C21}"/>
+                  </a:ext>
+                </a:extLst>
+              </p:cNvPr>
+              <p:cNvPicPr>
+                <a:picLocks noChangeAspect="1"/>
+              </p:cNvPicPr>
+              <p:nvPr/>
+            </p:nvPicPr>
+            <p:blipFill>
+              <a:blip r:embed="rId6">
+                <a:extLst>
+                  <a:ext uri="{28A0092B-C50C-407E-A947-70E740481C1C}">
+                    <a14:useLocalDpi xmlns:a14="http://schemas.microsoft.com/office/drawing/2010/main" val="0"/>
+                  </a:ext>
+                </a:extLst>
+              </a:blip>
+              <a:stretch>
+                <a:fillRect/>
+              </a:stretch>
+            </p:blipFill>
+            <p:spPr>
+              <a:xfrm>
+                <a:off x="7587999" y="2661189"/>
+                <a:ext cx="1443587" cy="1060593"/>
+              </a:xfrm>
+              <a:prstGeom prst="rect">
+                <a:avLst/>
+              </a:prstGeom>
+            </p:spPr>
+          </p:pic>
+          <p:sp>
+            <p:nvSpPr>
+              <p:cNvPr id="14" name="TextBox 13">
+                <a:extLst>
+                  <a:ext uri="{FF2B5EF4-FFF2-40B4-BE49-F238E27FC236}">
+                    <a16:creationId xmlns:a16="http://schemas.microsoft.com/office/drawing/2014/main" id="{AE221511-35D9-4CB2-A15B-474590E235E9}"/>
+                  </a:ext>
+                </a:extLst>
+              </p:cNvPr>
+              <p:cNvSpPr txBox="1"/>
+              <p:nvPr/>
+            </p:nvSpPr>
+            <p:spPr>
+              <a:xfrm>
+                <a:off x="238239" y="3787467"/>
+                <a:ext cx="2194014" cy="599732"/>
+              </a:xfrm>
+              <a:prstGeom prst="rect">
+                <a:avLst/>
+              </a:prstGeom>
+              <a:noFill/>
+            </p:spPr>
+            <p:txBody>
+              <a:bodyPr wrap="none" rtlCol="0">
+                <a:spAutoFit/>
+              </a:bodyPr>
+              <a:lstStyle/>
+              <a:p>
+                <a:pPr algn="ctr"/>
+                <a:r>
+                  <a:rPr lang="en-US" dirty="0">
+                    <a:latin typeface="Aharoni" panose="02010803020104030203" pitchFamily="2" charset="-79"/>
+                    <a:cs typeface="Aharoni" panose="02010803020104030203" pitchFamily="2" charset="-79"/>
+                  </a:rPr>
+                  <a:t>Mechanical </a:t>
+                </a:r>
+              </a:p>
+              <a:p>
+                <a:pPr algn="ctr"/>
+                <a:r>
+                  <a:rPr lang="en-US" dirty="0">
+                    <a:latin typeface="Aharoni" panose="02010803020104030203" pitchFamily="2" charset="-79"/>
+                    <a:cs typeface="Aharoni" panose="02010803020104030203" pitchFamily="2" charset="-79"/>
+                  </a:rPr>
+                  <a:t>Design</a:t>
+                </a:r>
+              </a:p>
+            </p:txBody>
+          </p:sp>
+          <p:sp>
+            <p:nvSpPr>
+              <p:cNvPr id="15" name="TextBox 14">
+                <a:extLst>
+                  <a:ext uri="{FF2B5EF4-FFF2-40B4-BE49-F238E27FC236}">
+                    <a16:creationId xmlns:a16="http://schemas.microsoft.com/office/drawing/2014/main" id="{2AEA79A1-E281-47F4-BEF2-944A9BE182F7}"/>
+                  </a:ext>
+                </a:extLst>
+              </p:cNvPr>
+              <p:cNvSpPr txBox="1"/>
+              <p:nvPr/>
+            </p:nvSpPr>
+            <p:spPr>
+              <a:xfrm>
+                <a:off x="2790855" y="3954500"/>
+                <a:ext cx="644727" cy="369332"/>
+              </a:xfrm>
+              <a:prstGeom prst="rect">
+                <a:avLst/>
+              </a:prstGeom>
+              <a:noFill/>
+            </p:spPr>
+            <p:txBody>
+              <a:bodyPr wrap="none" rtlCol="0">
+                <a:spAutoFit/>
+              </a:bodyPr>
+              <a:lstStyle/>
+              <a:p>
+                <a:r>
+                  <a:rPr lang="en-US" dirty="0">
+                    <a:latin typeface="Aharoni" panose="02010803020104030203" pitchFamily="2" charset="-79"/>
+                    <a:cs typeface="Aharoni" panose="02010803020104030203" pitchFamily="2" charset="-79"/>
+                  </a:rPr>
+                  <a:t>CAD</a:t>
+                </a:r>
+              </a:p>
+            </p:txBody>
+          </p:sp>
+          <p:sp>
+            <p:nvSpPr>
+              <p:cNvPr id="16" name="TextBox 15">
+                <a:extLst>
+                  <a:ext uri="{FF2B5EF4-FFF2-40B4-BE49-F238E27FC236}">
+                    <a16:creationId xmlns:a16="http://schemas.microsoft.com/office/drawing/2014/main" id="{474E22EA-C35D-4A8B-9EE3-2945CA97394D}"/>
+                  </a:ext>
+                </a:extLst>
+              </p:cNvPr>
+              <p:cNvSpPr txBox="1"/>
+              <p:nvPr/>
+            </p:nvSpPr>
+            <p:spPr>
+              <a:xfrm>
+                <a:off x="4600615" y="3902667"/>
+                <a:ext cx="1661032" cy="369332"/>
+              </a:xfrm>
+              <a:prstGeom prst="rect">
+                <a:avLst/>
+              </a:prstGeom>
+              <a:noFill/>
+            </p:spPr>
+            <p:txBody>
+              <a:bodyPr wrap="none" rtlCol="0">
+                <a:spAutoFit/>
+              </a:bodyPr>
+              <a:lstStyle/>
+              <a:p>
+                <a:r>
+                  <a:rPr lang="en-US" dirty="0">
+                    <a:latin typeface="Aharoni" panose="02010803020104030203" pitchFamily="2" charset="-79"/>
+                    <a:cs typeface="Aharoni" panose="02010803020104030203" pitchFamily="2" charset="-79"/>
+                  </a:rPr>
+                  <a:t>Heat Transfer</a:t>
+                </a:r>
+              </a:p>
+            </p:txBody>
+          </p:sp>
+          <p:sp>
+            <p:nvSpPr>
+              <p:cNvPr id="17" name="TextBox 16">
+                <a:extLst>
+                  <a:ext uri="{FF2B5EF4-FFF2-40B4-BE49-F238E27FC236}">
+                    <a16:creationId xmlns:a16="http://schemas.microsoft.com/office/drawing/2014/main" id="{734479A0-216B-4CC5-B594-A7BBB1F69C42}"/>
+                  </a:ext>
+                </a:extLst>
+              </p:cNvPr>
+              <p:cNvSpPr txBox="1"/>
+              <p:nvPr/>
+            </p:nvSpPr>
+            <p:spPr>
+              <a:xfrm>
+                <a:off x="9801650" y="3787466"/>
+                <a:ext cx="1678450" cy="599732"/>
+              </a:xfrm>
+              <a:prstGeom prst="rect">
+                <a:avLst/>
+              </a:prstGeom>
+              <a:noFill/>
+            </p:spPr>
+            <p:txBody>
+              <a:bodyPr wrap="none" rtlCol="0">
+                <a:spAutoFit/>
+              </a:bodyPr>
+              <a:lstStyle/>
+              <a:p>
+                <a:pPr algn="ctr"/>
+                <a:r>
+                  <a:rPr lang="en-US" dirty="0">
+                    <a:latin typeface="Aharoni" panose="02010803020104030203" pitchFamily="2" charset="-79"/>
+                    <a:cs typeface="Aharoni" panose="02010803020104030203" pitchFamily="2" charset="-79"/>
+                  </a:rPr>
+                  <a:t>Thermal </a:t>
+                </a:r>
+              </a:p>
+              <a:p>
+                <a:pPr algn="ctr"/>
+                <a:r>
+                  <a:rPr lang="en-US" dirty="0">
+                    <a:latin typeface="Aharoni" panose="02010803020104030203" pitchFamily="2" charset="-79"/>
+                    <a:cs typeface="Aharoni" panose="02010803020104030203" pitchFamily="2" charset="-79"/>
+                  </a:rPr>
+                  <a:t>Testing</a:t>
+                </a:r>
+              </a:p>
+            </p:txBody>
+          </p:sp>
+          <p:pic>
+            <p:nvPicPr>
+              <p:cNvPr id="19" name="Picture 18">
+                <a:extLst>
+                  <a:ext uri="{FF2B5EF4-FFF2-40B4-BE49-F238E27FC236}">
+                    <a16:creationId xmlns:a16="http://schemas.microsoft.com/office/drawing/2014/main" id="{167BC735-BDEA-4ABE-B8C7-A04D0608C301}"/>
+                  </a:ext>
+                </a:extLst>
+              </p:cNvPr>
+              <p:cNvPicPr>
+                <a:picLocks noChangeAspect="1"/>
+              </p:cNvPicPr>
+              <p:nvPr/>
+            </p:nvPicPr>
+            <p:blipFill rotWithShape="1">
+              <a:blip r:embed="rId7">
+                <a:extLst>
+                  <a:ext uri="{28A0092B-C50C-407E-A947-70E740481C1C}">
+                    <a14:useLocalDpi xmlns:a14="http://schemas.microsoft.com/office/drawing/2010/main" val="0"/>
+                  </a:ext>
+                </a:extLst>
+              </a:blip>
+              <a:srcRect b="19469"/>
+              <a:stretch/>
+            </p:blipFill>
+            <p:spPr>
+              <a:xfrm>
+                <a:off x="9987582" y="2661189"/>
+                <a:ext cx="1391768" cy="1060593"/>
+              </a:xfrm>
+              <a:prstGeom prst="rect">
+                <a:avLst/>
+              </a:prstGeom>
+            </p:spPr>
+          </p:pic>
+          <p:pic>
+            <p:nvPicPr>
+              <p:cNvPr id="21" name="Picture 20">
+                <a:extLst>
+                  <a:ext uri="{FF2B5EF4-FFF2-40B4-BE49-F238E27FC236}">
+                    <a16:creationId xmlns:a16="http://schemas.microsoft.com/office/drawing/2014/main" id="{58A396F3-BEF1-4089-90AC-3946B0AFF828}"/>
+                  </a:ext>
+                </a:extLst>
+              </p:cNvPr>
+              <p:cNvPicPr>
+                <a:picLocks noChangeAspect="1"/>
+              </p:cNvPicPr>
+              <p:nvPr/>
+            </p:nvPicPr>
+            <p:blipFill rotWithShape="1">
+              <a:blip r:embed="rId8">
+                <a:extLst>
+                  <a:ext uri="{28A0092B-C50C-407E-A947-70E740481C1C}">
+                    <a14:useLocalDpi xmlns:a14="http://schemas.microsoft.com/office/drawing/2010/main" val="0"/>
+                  </a:ext>
+                </a:extLst>
+              </a:blip>
+              <a:srcRect b="26780"/>
+              <a:stretch/>
+            </p:blipFill>
+            <p:spPr>
+              <a:xfrm>
+                <a:off x="4692842" y="2661189"/>
+                <a:ext cx="2084882" cy="1060593"/>
+              </a:xfrm>
+              <a:prstGeom prst="rect">
+                <a:avLst/>
+              </a:prstGeom>
+            </p:spPr>
+          </p:pic>
+          <p:sp>
+            <p:nvSpPr>
+              <p:cNvPr id="22" name="TextBox 21">
+                <a:extLst>
+                  <a:ext uri="{FF2B5EF4-FFF2-40B4-BE49-F238E27FC236}">
+                    <a16:creationId xmlns:a16="http://schemas.microsoft.com/office/drawing/2014/main" id="{DF11DEF0-38A0-4723-BDB0-32EB95F62C78}"/>
+                  </a:ext>
+                </a:extLst>
+              </p:cNvPr>
+              <p:cNvSpPr txBox="1"/>
+              <p:nvPr/>
+            </p:nvSpPr>
+            <p:spPr>
+              <a:xfrm>
+                <a:off x="7820947" y="3979207"/>
+                <a:ext cx="593433" cy="369332"/>
+              </a:xfrm>
+              <a:prstGeom prst="rect">
+                <a:avLst/>
+              </a:prstGeom>
+              <a:noFill/>
+            </p:spPr>
+            <p:txBody>
+              <a:bodyPr wrap="none" rtlCol="0">
+                <a:spAutoFit/>
+              </a:bodyPr>
+              <a:lstStyle/>
+              <a:p>
+                <a:r>
+                  <a:rPr lang="en-US" dirty="0">
+                    <a:latin typeface="Aharoni" panose="02010803020104030203" pitchFamily="2" charset="-79"/>
+                    <a:cs typeface="Aharoni" panose="02010803020104030203" pitchFamily="2" charset="-79"/>
+                  </a:rPr>
+                  <a:t>CFD</a:t>
+                </a:r>
+              </a:p>
+            </p:txBody>
+          </p:sp>
+        </p:grpSp>
       </p:grpSp>
     </p:spTree>
     <p:extLst>
@@ -3930,48 +3951,12 @@
           <a:chExt cx="0" cy="0"/>
         </a:xfrm>
       </p:grpSpPr>
-      <p:pic>
-        <p:nvPicPr>
-          <p:cNvPr id="14" name="Picture 13">
-            <a:extLst>
-              <a:ext uri="{FF2B5EF4-FFF2-40B4-BE49-F238E27FC236}">
-                <a16:creationId xmlns:a16="http://schemas.microsoft.com/office/drawing/2014/main" id="{5126A008-0DBD-48B7-902F-B91F815204EB}"/>
-              </a:ext>
-            </a:extLst>
-          </p:cNvPr>
-          <p:cNvPicPr>
-            <a:picLocks noChangeAspect="1"/>
-          </p:cNvPicPr>
-          <p:nvPr/>
-        </p:nvPicPr>
-        <p:blipFill>
-          <a:blip r:embed="rId2">
-            <a:extLst>
-              <a:ext uri="{28A0092B-C50C-407E-A947-70E740481C1C}">
-                <a14:useLocalDpi xmlns:a14="http://schemas.microsoft.com/office/drawing/2010/main" val="0"/>
-              </a:ext>
-            </a:extLst>
-          </a:blip>
-          <a:stretch>
-            <a:fillRect/>
-          </a:stretch>
-        </p:blipFill>
-        <p:spPr>
-          <a:xfrm>
-            <a:off x="3103419" y="1870363"/>
-            <a:ext cx="4977419" cy="2202873"/>
-          </a:xfrm>
-          <a:prstGeom prst="rect">
-            <a:avLst/>
-          </a:prstGeom>
-        </p:spPr>
-      </p:pic>
       <p:grpSp>
         <p:nvGrpSpPr>
-          <p:cNvPr id="29" name="Group 28">
-            <a:extLst>
-              <a:ext uri="{FF2B5EF4-FFF2-40B4-BE49-F238E27FC236}">
-                <a16:creationId xmlns:a16="http://schemas.microsoft.com/office/drawing/2014/main" id="{A113518B-EE08-4057-AE77-3DBC5B70CBE3}"/>
+          <p:cNvPr id="3" name="Group 2">
+            <a:extLst>
+              <a:ext uri="{FF2B5EF4-FFF2-40B4-BE49-F238E27FC236}">
+                <a16:creationId xmlns:a16="http://schemas.microsoft.com/office/drawing/2014/main" id="{15734480-40A4-4BDA-8BD8-EE916A7D166E}"/>
               </a:ext>
             </a:extLst>
           </p:cNvPr>
@@ -3981,64 +3966,17 @@
         <p:grpSpPr>
           <a:xfrm>
             <a:off x="3103418" y="1870363"/>
-            <a:ext cx="4977419" cy="2192976"/>
-            <a:chOff x="1392128" y="1856506"/>
-            <a:chExt cx="7406873" cy="2036335"/>
+            <a:ext cx="4977420" cy="2202873"/>
+            <a:chOff x="3103418" y="1870363"/>
+            <a:chExt cx="4977420" cy="2202873"/>
           </a:xfrm>
         </p:grpSpPr>
-        <p:sp>
-          <p:nvSpPr>
-            <p:cNvPr id="2" name="Rectangle 1">
+        <p:pic>
+          <p:nvPicPr>
+            <p:cNvPr id="14" name="Picture 13">
               <a:extLst>
                 <a:ext uri="{FF2B5EF4-FFF2-40B4-BE49-F238E27FC236}">
-                  <a16:creationId xmlns:a16="http://schemas.microsoft.com/office/drawing/2014/main" id="{9AF3FF13-6BB2-4AC9-84CD-42F6DECE1132}"/>
-                </a:ext>
-              </a:extLst>
-            </p:cNvPr>
-            <p:cNvSpPr/>
-            <p:nvPr/>
-          </p:nvSpPr>
-          <p:spPr>
-            <a:xfrm>
-              <a:off x="1392128" y="1856506"/>
-              <a:ext cx="7406873" cy="2036335"/>
-            </a:xfrm>
-            <a:prstGeom prst="rect">
-              <a:avLst/>
-            </a:prstGeom>
-            <a:noFill/>
-          </p:spPr>
-          <p:style>
-            <a:lnRef idx="2">
-              <a:schemeClr val="accent1">
-                <a:shade val="50000"/>
-              </a:schemeClr>
-            </a:lnRef>
-            <a:fillRef idx="1">
-              <a:schemeClr val="accent1"/>
-            </a:fillRef>
-            <a:effectRef idx="0">
-              <a:schemeClr val="accent1"/>
-            </a:effectRef>
-            <a:fontRef idx="minor">
-              <a:schemeClr val="lt1"/>
-            </a:fontRef>
-          </p:style>
-          <p:txBody>
-            <a:bodyPr rtlCol="0" anchor="ctr"/>
-            <a:lstStyle/>
-            <a:p>
-              <a:pPr algn="ctr"/>
-              <a:endParaRPr lang="en-US"/>
-            </a:p>
-          </p:txBody>
-        </p:sp>
-        <p:pic>
-          <p:nvPicPr>
-            <p:cNvPr id="4" name="Picture 3">
-              <a:extLst>
-                <a:ext uri="{FF2B5EF4-FFF2-40B4-BE49-F238E27FC236}">
-                  <a16:creationId xmlns:a16="http://schemas.microsoft.com/office/drawing/2014/main" id="{35271725-922A-4651-B1C0-1F1140C887F8}"/>
+                  <a16:creationId xmlns:a16="http://schemas.microsoft.com/office/drawing/2014/main" id="{5126A008-0DBD-48B7-902F-B91F815204EB}"/>
                 </a:ext>
               </a:extLst>
             </p:cNvPr>
@@ -4048,156 +3986,7 @@
             <p:nvPr/>
           </p:nvPicPr>
           <p:blipFill>
-            <a:blip r:embed="rId3"/>
-            <a:stretch>
-              <a:fillRect/>
-            </a:stretch>
-          </p:blipFill>
-          <p:spPr>
-            <a:xfrm>
-              <a:off x="1672241" y="3142436"/>
-              <a:ext cx="1360714" cy="636591"/>
-            </a:xfrm>
-            <a:prstGeom prst="rect">
-              <a:avLst/>
-            </a:prstGeom>
-          </p:spPr>
-        </p:pic>
-        <p:pic>
-          <p:nvPicPr>
-            <p:cNvPr id="8" name="Picture 7">
-              <a:extLst>
-                <a:ext uri="{FF2B5EF4-FFF2-40B4-BE49-F238E27FC236}">
-                  <a16:creationId xmlns:a16="http://schemas.microsoft.com/office/drawing/2014/main" id="{89B53AC2-2D4B-46FD-8A53-77FC7CC28746}"/>
-                </a:ext>
-              </a:extLst>
-            </p:cNvPr>
-            <p:cNvPicPr>
-              <a:picLocks noChangeAspect="1"/>
-            </p:cNvPicPr>
-            <p:nvPr/>
-          </p:nvPicPr>
-          <p:blipFill>
-            <a:blip r:embed="rId4"/>
-            <a:stretch>
-              <a:fillRect/>
-            </a:stretch>
-          </p:blipFill>
-          <p:spPr>
-            <a:xfrm>
-              <a:off x="1672243" y="2314970"/>
-              <a:ext cx="1360714" cy="587326"/>
-            </a:xfrm>
-            <a:prstGeom prst="rect">
-              <a:avLst/>
-            </a:prstGeom>
-          </p:spPr>
-        </p:pic>
-        <p:pic>
-          <p:nvPicPr>
-            <p:cNvPr id="16" name="Picture 15">
-              <a:extLst>
-                <a:ext uri="{FF2B5EF4-FFF2-40B4-BE49-F238E27FC236}">
-                  <a16:creationId xmlns:a16="http://schemas.microsoft.com/office/drawing/2014/main" id="{E912ACFE-1EED-4F4B-B8BB-7C506D1D9A2D}"/>
-                </a:ext>
-              </a:extLst>
-            </p:cNvPr>
-            <p:cNvPicPr>
-              <a:picLocks noChangeAspect="1"/>
-            </p:cNvPicPr>
-            <p:nvPr/>
-          </p:nvPicPr>
-          <p:blipFill>
-            <a:blip r:embed="rId5"/>
-            <a:stretch>
-              <a:fillRect/>
-            </a:stretch>
-          </p:blipFill>
-          <p:spPr>
-            <a:xfrm>
-              <a:off x="5186204" y="2366008"/>
-              <a:ext cx="1360714" cy="510268"/>
-            </a:xfrm>
-            <a:prstGeom prst="rect">
-              <a:avLst/>
-            </a:prstGeom>
-          </p:spPr>
-        </p:pic>
-        <p:pic>
-          <p:nvPicPr>
-            <p:cNvPr id="18" name="Picture 17">
-              <a:extLst>
-                <a:ext uri="{FF2B5EF4-FFF2-40B4-BE49-F238E27FC236}">
-                  <a16:creationId xmlns:a16="http://schemas.microsoft.com/office/drawing/2014/main" id="{EBA4A602-788A-441D-8922-A243D13AE244}"/>
-                </a:ext>
-              </a:extLst>
-            </p:cNvPr>
-            <p:cNvPicPr>
-              <a:picLocks noChangeAspect="1"/>
-            </p:cNvPicPr>
-            <p:nvPr/>
-          </p:nvPicPr>
-          <p:blipFill rotWithShape="1">
-            <a:blip r:embed="rId6"/>
-            <a:srcRect l="48579" t="14706" r="1563" b="25723"/>
-            <a:stretch/>
-          </p:blipFill>
-          <p:spPr>
-            <a:xfrm>
-              <a:off x="3545378" y="3249853"/>
-              <a:ext cx="1911595" cy="455011"/>
-            </a:xfrm>
-            <a:prstGeom prst="rect">
-              <a:avLst/>
-            </a:prstGeom>
-          </p:spPr>
-        </p:pic>
-        <p:pic>
-          <p:nvPicPr>
-            <p:cNvPr id="19" name="Picture 18">
-              <a:extLst>
-                <a:ext uri="{FF2B5EF4-FFF2-40B4-BE49-F238E27FC236}">
-                  <a16:creationId xmlns:a16="http://schemas.microsoft.com/office/drawing/2014/main" id="{46651E0B-769A-4FBE-ABED-C3A0F6FB45C7}"/>
-                </a:ext>
-              </a:extLst>
-            </p:cNvPr>
-            <p:cNvPicPr>
-              <a:picLocks noChangeAspect="1"/>
-            </p:cNvPicPr>
-            <p:nvPr/>
-          </p:nvPicPr>
-          <p:blipFill>
-            <a:blip r:embed="rId7"/>
-            <a:stretch>
-              <a:fillRect/>
-            </a:stretch>
-          </p:blipFill>
-          <p:spPr>
-            <a:xfrm>
-              <a:off x="6203501" y="3036038"/>
-              <a:ext cx="1360714" cy="668826"/>
-            </a:xfrm>
-            <a:prstGeom prst="rect">
-              <a:avLst/>
-            </a:prstGeom>
-          </p:spPr>
-        </p:pic>
-        <p:pic>
-          <p:nvPicPr>
-            <p:cNvPr id="21" name="Picture 20">
-              <a:extLst>
-                <a:ext uri="{FF2B5EF4-FFF2-40B4-BE49-F238E27FC236}">
-                  <a16:creationId xmlns:a16="http://schemas.microsoft.com/office/drawing/2014/main" id="{AF722C2B-D48C-4B4F-8976-E41EF2E76EDD}"/>
-                </a:ext>
-              </a:extLst>
-            </p:cNvPr>
-            <p:cNvPicPr>
-              <a:picLocks noChangeAspect="1"/>
-            </p:cNvPicPr>
-            <p:nvPr/>
-          </p:nvPicPr>
-          <p:blipFill>
-            <a:blip r:embed="rId8">
+            <a:blip r:embed="rId2">
               <a:extLst>
                 <a:ext uri="{28A0092B-C50C-407E-A947-70E740481C1C}">
                   <a14:useLocalDpi xmlns:a14="http://schemas.microsoft.com/office/drawing/2010/main" val="0"/>
@@ -4210,102 +3999,355 @@
           </p:blipFill>
           <p:spPr>
             <a:xfrm>
-              <a:off x="7059340" y="2391336"/>
-              <a:ext cx="1360714" cy="459609"/>
+              <a:off x="3103419" y="1870363"/>
+              <a:ext cx="4977419" cy="2202873"/>
             </a:xfrm>
             <a:prstGeom prst="rect">
               <a:avLst/>
             </a:prstGeom>
           </p:spPr>
         </p:pic>
-        <p:pic>
-          <p:nvPicPr>
-            <p:cNvPr id="28" name="Picture 27">
+        <p:grpSp>
+          <p:nvGrpSpPr>
+            <p:cNvPr id="29" name="Group 28">
               <a:extLst>
                 <a:ext uri="{FF2B5EF4-FFF2-40B4-BE49-F238E27FC236}">
-                  <a16:creationId xmlns:a16="http://schemas.microsoft.com/office/drawing/2014/main" id="{4C3B0BD7-D524-4511-B63B-39A431779ECC}"/>
+                  <a16:creationId xmlns:a16="http://schemas.microsoft.com/office/drawing/2014/main" id="{A113518B-EE08-4057-AE77-3DBC5B70CBE3}"/>
                 </a:ext>
               </a:extLst>
             </p:cNvPr>
-            <p:cNvPicPr>
-              <a:picLocks noChangeAspect="1"/>
-            </p:cNvPicPr>
+            <p:cNvGrpSpPr/>
             <p:nvPr/>
-          </p:nvPicPr>
-          <p:blipFill rotWithShape="1">
-            <a:blip r:embed="rId9"/>
-            <a:srcRect r="46911"/>
-            <a:stretch/>
-          </p:blipFill>
-          <p:spPr>
+          </p:nvGrpSpPr>
+          <p:grpSpPr>
             <a:xfrm>
-              <a:off x="3545379" y="2168559"/>
-              <a:ext cx="1360714" cy="880146"/>
+              <a:off x="3103418" y="1870363"/>
+              <a:ext cx="4977419" cy="2192976"/>
+              <a:chOff x="1392128" y="1856506"/>
+              <a:chExt cx="7406873" cy="2036335"/>
             </a:xfrm>
-            <a:prstGeom prst="rect">
-              <a:avLst/>
-            </a:prstGeom>
-          </p:spPr>
-        </p:pic>
-        <p:pic>
-          <p:nvPicPr>
-            <p:cNvPr id="12" name="Picture 11">
-              <a:extLst>
-                <a:ext uri="{FF2B5EF4-FFF2-40B4-BE49-F238E27FC236}">
-                  <a16:creationId xmlns:a16="http://schemas.microsoft.com/office/drawing/2014/main" id="{0E4F70B0-1DF2-41EF-BDDC-9E540327FC77}"/>
-                </a:ext>
-              </a:extLst>
-            </p:cNvPr>
-            <p:cNvPicPr>
-              <a:picLocks noChangeAspect="1"/>
-            </p:cNvPicPr>
-            <p:nvPr/>
-          </p:nvPicPr>
-          <p:blipFill>
-            <a:blip r:embed="rId4"/>
-            <a:stretch>
-              <a:fillRect/>
-            </a:stretch>
-          </p:blipFill>
-          <p:spPr>
-            <a:xfrm>
-              <a:off x="1672241" y="2366008"/>
-              <a:ext cx="1360714" cy="587326"/>
-            </a:xfrm>
-            <a:prstGeom prst="rect">
-              <a:avLst/>
-            </a:prstGeom>
-          </p:spPr>
-        </p:pic>
-        <p:pic>
-          <p:nvPicPr>
-            <p:cNvPr id="13" name="Picture 12">
-              <a:extLst>
-                <a:ext uri="{FF2B5EF4-FFF2-40B4-BE49-F238E27FC236}">
-                  <a16:creationId xmlns:a16="http://schemas.microsoft.com/office/drawing/2014/main" id="{CA2283FC-152E-4E8F-90D0-E0B392811221}"/>
-                </a:ext>
-              </a:extLst>
-            </p:cNvPr>
-            <p:cNvPicPr>
-              <a:picLocks noChangeAspect="1"/>
-            </p:cNvPicPr>
-            <p:nvPr/>
-          </p:nvPicPr>
-          <p:blipFill rotWithShape="1">
-            <a:blip r:embed="rId9"/>
-            <a:srcRect r="46911"/>
-            <a:stretch/>
-          </p:blipFill>
-          <p:spPr>
-            <a:xfrm>
-              <a:off x="3545378" y="2219597"/>
-              <a:ext cx="1360714" cy="880146"/>
-            </a:xfrm>
-            <a:prstGeom prst="rect">
-              <a:avLst/>
-            </a:prstGeom>
-          </p:spPr>
-        </p:pic>
+          </p:grpSpPr>
+          <p:sp>
+            <p:nvSpPr>
+              <p:cNvPr id="2" name="Rectangle 1">
+                <a:extLst>
+                  <a:ext uri="{FF2B5EF4-FFF2-40B4-BE49-F238E27FC236}">
+                    <a16:creationId xmlns:a16="http://schemas.microsoft.com/office/drawing/2014/main" id="{9AF3FF13-6BB2-4AC9-84CD-42F6DECE1132}"/>
+                  </a:ext>
+                </a:extLst>
+              </p:cNvPr>
+              <p:cNvSpPr/>
+              <p:nvPr/>
+            </p:nvSpPr>
+            <p:spPr>
+              <a:xfrm>
+                <a:off x="1392128" y="1856506"/>
+                <a:ext cx="7406873" cy="2036335"/>
+              </a:xfrm>
+              <a:prstGeom prst="rect">
+                <a:avLst/>
+              </a:prstGeom>
+              <a:noFill/>
+            </p:spPr>
+            <p:style>
+              <a:lnRef idx="2">
+                <a:schemeClr val="accent1">
+                  <a:shade val="50000"/>
+                </a:schemeClr>
+              </a:lnRef>
+              <a:fillRef idx="1">
+                <a:schemeClr val="accent1"/>
+              </a:fillRef>
+              <a:effectRef idx="0">
+                <a:schemeClr val="accent1"/>
+              </a:effectRef>
+              <a:fontRef idx="minor">
+                <a:schemeClr val="lt1"/>
+              </a:fontRef>
+            </p:style>
+            <p:txBody>
+              <a:bodyPr rtlCol="0" anchor="ctr"/>
+              <a:lstStyle/>
+              <a:p>
+                <a:pPr algn="ctr"/>
+                <a:endParaRPr lang="en-US"/>
+              </a:p>
+            </p:txBody>
+          </p:sp>
+          <p:pic>
+            <p:nvPicPr>
+              <p:cNvPr id="4" name="Picture 3">
+                <a:extLst>
+                  <a:ext uri="{FF2B5EF4-FFF2-40B4-BE49-F238E27FC236}">
+                    <a16:creationId xmlns:a16="http://schemas.microsoft.com/office/drawing/2014/main" id="{35271725-922A-4651-B1C0-1F1140C887F8}"/>
+                  </a:ext>
+                </a:extLst>
+              </p:cNvPr>
+              <p:cNvPicPr>
+                <a:picLocks noChangeAspect="1"/>
+              </p:cNvPicPr>
+              <p:nvPr/>
+            </p:nvPicPr>
+            <p:blipFill>
+              <a:blip r:embed="rId3"/>
+              <a:stretch>
+                <a:fillRect/>
+              </a:stretch>
+            </p:blipFill>
+            <p:spPr>
+              <a:xfrm>
+                <a:off x="1672241" y="3142436"/>
+                <a:ext cx="1360714" cy="636591"/>
+              </a:xfrm>
+              <a:prstGeom prst="rect">
+                <a:avLst/>
+              </a:prstGeom>
+            </p:spPr>
+          </p:pic>
+          <p:pic>
+            <p:nvPicPr>
+              <p:cNvPr id="8" name="Picture 7">
+                <a:extLst>
+                  <a:ext uri="{FF2B5EF4-FFF2-40B4-BE49-F238E27FC236}">
+                    <a16:creationId xmlns:a16="http://schemas.microsoft.com/office/drawing/2014/main" id="{89B53AC2-2D4B-46FD-8A53-77FC7CC28746}"/>
+                  </a:ext>
+                </a:extLst>
+              </p:cNvPr>
+              <p:cNvPicPr>
+                <a:picLocks noChangeAspect="1"/>
+              </p:cNvPicPr>
+              <p:nvPr/>
+            </p:nvPicPr>
+            <p:blipFill>
+              <a:blip r:embed="rId4"/>
+              <a:stretch>
+                <a:fillRect/>
+              </a:stretch>
+            </p:blipFill>
+            <p:spPr>
+              <a:xfrm>
+                <a:off x="1672243" y="2314970"/>
+                <a:ext cx="1360714" cy="587326"/>
+              </a:xfrm>
+              <a:prstGeom prst="rect">
+                <a:avLst/>
+              </a:prstGeom>
+            </p:spPr>
+          </p:pic>
+          <p:pic>
+            <p:nvPicPr>
+              <p:cNvPr id="16" name="Picture 15">
+                <a:extLst>
+                  <a:ext uri="{FF2B5EF4-FFF2-40B4-BE49-F238E27FC236}">
+                    <a16:creationId xmlns:a16="http://schemas.microsoft.com/office/drawing/2014/main" id="{E912ACFE-1EED-4F4B-B8BB-7C506D1D9A2D}"/>
+                  </a:ext>
+                </a:extLst>
+              </p:cNvPr>
+              <p:cNvPicPr>
+                <a:picLocks noChangeAspect="1"/>
+              </p:cNvPicPr>
+              <p:nvPr/>
+            </p:nvPicPr>
+            <p:blipFill>
+              <a:blip r:embed="rId5"/>
+              <a:stretch>
+                <a:fillRect/>
+              </a:stretch>
+            </p:blipFill>
+            <p:spPr>
+              <a:xfrm>
+                <a:off x="5186204" y="2366008"/>
+                <a:ext cx="1360714" cy="510268"/>
+              </a:xfrm>
+              <a:prstGeom prst="rect">
+                <a:avLst/>
+              </a:prstGeom>
+            </p:spPr>
+          </p:pic>
+          <p:pic>
+            <p:nvPicPr>
+              <p:cNvPr id="18" name="Picture 17">
+                <a:extLst>
+                  <a:ext uri="{FF2B5EF4-FFF2-40B4-BE49-F238E27FC236}">
+                    <a16:creationId xmlns:a16="http://schemas.microsoft.com/office/drawing/2014/main" id="{EBA4A602-788A-441D-8922-A243D13AE244}"/>
+                  </a:ext>
+                </a:extLst>
+              </p:cNvPr>
+              <p:cNvPicPr>
+                <a:picLocks noChangeAspect="1"/>
+              </p:cNvPicPr>
+              <p:nvPr/>
+            </p:nvPicPr>
+            <p:blipFill rotWithShape="1">
+              <a:blip r:embed="rId6"/>
+              <a:srcRect l="48579" t="14706" r="1563" b="25723"/>
+              <a:stretch/>
+            </p:blipFill>
+            <p:spPr>
+              <a:xfrm>
+                <a:off x="3545378" y="3249853"/>
+                <a:ext cx="1911595" cy="455011"/>
+              </a:xfrm>
+              <a:prstGeom prst="rect">
+                <a:avLst/>
+              </a:prstGeom>
+            </p:spPr>
+          </p:pic>
+          <p:pic>
+            <p:nvPicPr>
+              <p:cNvPr id="19" name="Picture 18">
+                <a:extLst>
+                  <a:ext uri="{FF2B5EF4-FFF2-40B4-BE49-F238E27FC236}">
+                    <a16:creationId xmlns:a16="http://schemas.microsoft.com/office/drawing/2014/main" id="{46651E0B-769A-4FBE-ABED-C3A0F6FB45C7}"/>
+                  </a:ext>
+                </a:extLst>
+              </p:cNvPr>
+              <p:cNvPicPr>
+                <a:picLocks noChangeAspect="1"/>
+              </p:cNvPicPr>
+              <p:nvPr/>
+            </p:nvPicPr>
+            <p:blipFill>
+              <a:blip r:embed="rId7"/>
+              <a:stretch>
+                <a:fillRect/>
+              </a:stretch>
+            </p:blipFill>
+            <p:spPr>
+              <a:xfrm>
+                <a:off x="6203501" y="3036038"/>
+                <a:ext cx="1360714" cy="668826"/>
+              </a:xfrm>
+              <a:prstGeom prst="rect">
+                <a:avLst/>
+              </a:prstGeom>
+            </p:spPr>
+          </p:pic>
+          <p:pic>
+            <p:nvPicPr>
+              <p:cNvPr id="21" name="Picture 20">
+                <a:extLst>
+                  <a:ext uri="{FF2B5EF4-FFF2-40B4-BE49-F238E27FC236}">
+                    <a16:creationId xmlns:a16="http://schemas.microsoft.com/office/drawing/2014/main" id="{AF722C2B-D48C-4B4F-8976-E41EF2E76EDD}"/>
+                  </a:ext>
+                </a:extLst>
+              </p:cNvPr>
+              <p:cNvPicPr>
+                <a:picLocks noChangeAspect="1"/>
+              </p:cNvPicPr>
+              <p:nvPr/>
+            </p:nvPicPr>
+            <p:blipFill>
+              <a:blip r:embed="rId8">
+                <a:extLst>
+                  <a:ext uri="{28A0092B-C50C-407E-A947-70E740481C1C}">
+                    <a14:useLocalDpi xmlns:a14="http://schemas.microsoft.com/office/drawing/2010/main" val="0"/>
+                  </a:ext>
+                </a:extLst>
+              </a:blip>
+              <a:stretch>
+                <a:fillRect/>
+              </a:stretch>
+            </p:blipFill>
+            <p:spPr>
+              <a:xfrm>
+                <a:off x="7059340" y="2391336"/>
+                <a:ext cx="1360714" cy="459609"/>
+              </a:xfrm>
+              <a:prstGeom prst="rect">
+                <a:avLst/>
+              </a:prstGeom>
+            </p:spPr>
+          </p:pic>
+          <p:pic>
+            <p:nvPicPr>
+              <p:cNvPr id="28" name="Picture 27">
+                <a:extLst>
+                  <a:ext uri="{FF2B5EF4-FFF2-40B4-BE49-F238E27FC236}">
+                    <a16:creationId xmlns:a16="http://schemas.microsoft.com/office/drawing/2014/main" id="{4C3B0BD7-D524-4511-B63B-39A431779ECC}"/>
+                  </a:ext>
+                </a:extLst>
+              </p:cNvPr>
+              <p:cNvPicPr>
+                <a:picLocks noChangeAspect="1"/>
+              </p:cNvPicPr>
+              <p:nvPr/>
+            </p:nvPicPr>
+            <p:blipFill rotWithShape="1">
+              <a:blip r:embed="rId9"/>
+              <a:srcRect r="46911"/>
+              <a:stretch/>
+            </p:blipFill>
+            <p:spPr>
+              <a:xfrm>
+                <a:off x="3545379" y="2168559"/>
+                <a:ext cx="1360714" cy="880146"/>
+              </a:xfrm>
+              <a:prstGeom prst="rect">
+                <a:avLst/>
+              </a:prstGeom>
+            </p:spPr>
+          </p:pic>
+          <p:pic>
+            <p:nvPicPr>
+              <p:cNvPr id="12" name="Picture 11">
+                <a:extLst>
+                  <a:ext uri="{FF2B5EF4-FFF2-40B4-BE49-F238E27FC236}">
+                    <a16:creationId xmlns:a16="http://schemas.microsoft.com/office/drawing/2014/main" id="{0E4F70B0-1DF2-41EF-BDDC-9E540327FC77}"/>
+                  </a:ext>
+                </a:extLst>
+              </p:cNvPr>
+              <p:cNvPicPr>
+                <a:picLocks noChangeAspect="1"/>
+              </p:cNvPicPr>
+              <p:nvPr/>
+            </p:nvPicPr>
+            <p:blipFill>
+              <a:blip r:embed="rId4"/>
+              <a:stretch>
+                <a:fillRect/>
+              </a:stretch>
+            </p:blipFill>
+            <p:spPr>
+              <a:xfrm>
+                <a:off x="1672241" y="2366008"/>
+                <a:ext cx="1360714" cy="587326"/>
+              </a:xfrm>
+              <a:prstGeom prst="rect">
+                <a:avLst/>
+              </a:prstGeom>
+            </p:spPr>
+          </p:pic>
+          <p:pic>
+            <p:nvPicPr>
+              <p:cNvPr id="13" name="Picture 12">
+                <a:extLst>
+                  <a:ext uri="{FF2B5EF4-FFF2-40B4-BE49-F238E27FC236}">
+                    <a16:creationId xmlns:a16="http://schemas.microsoft.com/office/drawing/2014/main" id="{CA2283FC-152E-4E8F-90D0-E0B392811221}"/>
+                  </a:ext>
+                </a:extLst>
+              </p:cNvPr>
+              <p:cNvPicPr>
+                <a:picLocks noChangeAspect="1"/>
+              </p:cNvPicPr>
+              <p:nvPr/>
+            </p:nvPicPr>
+            <p:blipFill rotWithShape="1">
+              <a:blip r:embed="rId9"/>
+              <a:srcRect r="46911"/>
+              <a:stretch/>
+            </p:blipFill>
+            <p:spPr>
+              <a:xfrm>
+                <a:off x="3545378" y="2219597"/>
+                <a:ext cx="1360714" cy="880146"/>
+              </a:xfrm>
+              <a:prstGeom prst="rect">
+                <a:avLst/>
+              </a:prstGeom>
+            </p:spPr>
+          </p:pic>
+        </p:grpSp>
       </p:grpSp>
     </p:spTree>
     <p:extLst>
